--- a/Enhance_network_security_by_analyzing_Inribo_synthetic_network_data_sets/Enhance_network_security_by_analyzing_Inribo_synthetic_network_data_sets.pptx
+++ b/Enhance_network_security_by_analyzing_Inribo_synthetic_network_data_sets/Enhance_network_security_by_analyzing_Inribo_synthetic_network_data_sets.pptx
@@ -5,25 +5,29 @@
     <p:sldMasterId id="2147483648" r:id="rId1"/>
   </p:sldMasterIdLst>
   <p:notesMasterIdLst>
-    <p:notesMasterId r:id="rId18"/>
+    <p:notesMasterId r:id="rId22"/>
   </p:notesMasterIdLst>
   <p:sldIdLst>
     <p:sldId id="257" r:id="rId2"/>
     <p:sldId id="258" r:id="rId3"/>
-    <p:sldId id="260" r:id="rId4"/>
-    <p:sldId id="259" r:id="rId5"/>
-    <p:sldId id="261" r:id="rId6"/>
-    <p:sldId id="262" r:id="rId7"/>
-    <p:sldId id="269" r:id="rId8"/>
-    <p:sldId id="292" r:id="rId9"/>
-    <p:sldId id="272" r:id="rId10"/>
-    <p:sldId id="263" r:id="rId11"/>
-    <p:sldId id="273" r:id="rId12"/>
-    <p:sldId id="268" r:id="rId13"/>
-    <p:sldId id="264" r:id="rId14"/>
-    <p:sldId id="265" r:id="rId15"/>
-    <p:sldId id="270" r:id="rId16"/>
-    <p:sldId id="291" r:id="rId17"/>
+    <p:sldId id="295" r:id="rId4"/>
+    <p:sldId id="297" r:id="rId5"/>
+    <p:sldId id="260" r:id="rId6"/>
+    <p:sldId id="259" r:id="rId7"/>
+    <p:sldId id="261" r:id="rId8"/>
+    <p:sldId id="298" r:id="rId9"/>
+    <p:sldId id="262" r:id="rId10"/>
+    <p:sldId id="269" r:id="rId11"/>
+    <p:sldId id="292" r:id="rId12"/>
+    <p:sldId id="272" r:id="rId13"/>
+    <p:sldId id="263" r:id="rId14"/>
+    <p:sldId id="273" r:id="rId15"/>
+    <p:sldId id="268" r:id="rId16"/>
+    <p:sldId id="264" r:id="rId17"/>
+    <p:sldId id="265" r:id="rId18"/>
+    <p:sldId id="270" r:id="rId19"/>
+    <p:sldId id="291" r:id="rId20"/>
+    <p:sldId id="293" r:id="rId21"/>
   </p:sldIdLst>
   <p:sldSz cx="12192000" cy="6858000"/>
   <p:notesSz cx="6858000" cy="9144000"/>
@@ -2226,7 +2230,11 @@
           </a:pPr>
           <a:r>
             <a:rPr lang="pt-BR" altLang="zh-TW" sz="3200" b="1" dirty="0"/>
-            <a:t> enhances incident response</a:t>
+            <a:t> </a:t>
+          </a:r>
+          <a:r>
+            <a:rPr lang="en-US" altLang="zh-TW" sz="3200" b="1"/>
+            <a:t>Improve</a:t>
           </a:r>
           <a:endParaRPr lang="en-US" sz="2400" b="0" i="0" dirty="0">
             <a:latin typeface="Times New Roman" panose="02020603050405020304" pitchFamily="18" charset="0"/>
@@ -3950,7 +3958,11 @@
           </a:pPr>
           <a:r>
             <a:rPr lang="pt-BR" altLang="zh-TW" sz="3200" b="1" kern="1200" dirty="0"/>
-            <a:t> enhances incident response</a:t>
+            <a:t> </a:t>
+          </a:r>
+          <a:r>
+            <a:rPr lang="en-US" altLang="zh-TW" sz="3200" b="1" kern="1200"/>
+            <a:t>Improve</a:t>
           </a:r>
           <a:endParaRPr lang="en-US" sz="2400" b="0" i="0" kern="1200" dirty="0">
             <a:latin typeface="Times New Roman" panose="02020603050405020304" pitchFamily="18" charset="0"/>
@@ -6557,7 +6569,7 @@
           <a:p>
             <a:fld id="{E5B64928-BE91-430E-B2FC-C52E9012034D}" type="datetimeFigureOut">
               <a:rPr lang="zh-TW" altLang="en-US" smtClean="0"/>
-              <a:t>2024/6/20</a:t>
+              <a:t>2024/6/24</a:t>
             </a:fld>
             <a:endParaRPr lang="zh-TW" altLang="en-US"/>
           </a:p>
@@ -6887,9 +6899,9 @@
           <a:bodyPr/>
           <a:lstStyle/>
           <a:p>
-            <a:fld id="{D45CD8A4-8F2D-4EF3-BAF0-DB264CE395B6}" type="slidenum">
+            <a:fld id="{339AC656-A146-44BA-81DD-9C8CD2CD1773}" type="slidenum">
               <a:rPr lang="zh-TW" altLang="en-US" smtClean="0"/>
-              <a:t>14</a:t>
+              <a:t>1</a:t>
             </a:fld>
             <a:endParaRPr lang="zh-TW" altLang="en-US"/>
           </a:p>
@@ -6898,7 +6910,7 @@
     </p:spTree>
     <p:extLst>
       <p:ext uri="{BB962C8B-B14F-4D97-AF65-F5344CB8AC3E}">
-        <p14:creationId xmlns:p14="http://schemas.microsoft.com/office/powerpoint/2010/main" val="2418051780"/>
+        <p14:creationId xmlns:p14="http://schemas.microsoft.com/office/powerpoint/2010/main" val="4192254977"/>
       </p:ext>
     </p:extLst>
   </p:cSld>
@@ -6913,13 +6925,7 @@
   <p:cSld>
     <p:spTree>
       <p:nvGrpSpPr>
-        <p:cNvPr id="1" name="">
-          <a:extLst>
-            <a:ext uri="{FF2B5EF4-FFF2-40B4-BE49-F238E27FC236}">
-              <a16:creationId xmlns:a16="http://schemas.microsoft.com/office/drawing/2014/main" id="{82FF96BE-B10A-F126-FC6E-5E3A75C45147}"/>
-            </a:ext>
-          </a:extLst>
-        </p:cNvPr>
+        <p:cNvPr id="1" name=""/>
         <p:cNvGrpSpPr/>
         <p:nvPr/>
       </p:nvGrpSpPr>
@@ -6933,13 +6939,7 @@
       </p:grpSpPr>
       <p:sp>
         <p:nvSpPr>
-          <p:cNvPr id="2" name="投影片影像版面配置區 1">
-            <a:extLst>
-              <a:ext uri="{FF2B5EF4-FFF2-40B4-BE49-F238E27FC236}">
-                <a16:creationId xmlns:a16="http://schemas.microsoft.com/office/drawing/2014/main" id="{F1A39DB5-61FB-DF49-BFE8-60E44E08F1A3}"/>
-              </a:ext>
-            </a:extLst>
-          </p:cNvPr>
+          <p:cNvPr id="2" name="投影片影像版面配置區 1"/>
           <p:cNvSpPr>
             <a:spLocks noGrp="1" noRot="1" noChangeAspect="1"/>
           </p:cNvSpPr>
@@ -6951,13 +6951,7 @@
       </p:sp>
       <p:sp>
         <p:nvSpPr>
-          <p:cNvPr id="3" name="備忘稿版面配置區 2">
-            <a:extLst>
-              <a:ext uri="{FF2B5EF4-FFF2-40B4-BE49-F238E27FC236}">
-                <a16:creationId xmlns:a16="http://schemas.microsoft.com/office/drawing/2014/main" id="{98E975B6-5BB8-4E63-7009-9EBE5005D380}"/>
-              </a:ext>
-            </a:extLst>
-          </p:cNvPr>
+          <p:cNvPr id="3" name="備忘稿版面配置區 2"/>
           <p:cNvSpPr>
             <a:spLocks noGrp="1"/>
           </p:cNvSpPr>
@@ -6976,13 +6970,7 @@
       </p:sp>
       <p:sp>
         <p:nvSpPr>
-          <p:cNvPr id="4" name="投影片編號版面配置區 3">
-            <a:extLst>
-              <a:ext uri="{FF2B5EF4-FFF2-40B4-BE49-F238E27FC236}">
-                <a16:creationId xmlns:a16="http://schemas.microsoft.com/office/drawing/2014/main" id="{BD056FED-4876-611E-50C5-6F52F02DE608}"/>
-              </a:ext>
-            </a:extLst>
-          </p:cNvPr>
+          <p:cNvPr id="4" name="投影片編號版面配置區 3"/>
           <p:cNvSpPr>
             <a:spLocks noGrp="1"/>
           </p:cNvSpPr>
@@ -6997,7 +6985,7 @@
           <a:p>
             <a:fld id="{D45CD8A4-8F2D-4EF3-BAF0-DB264CE395B6}" type="slidenum">
               <a:rPr lang="zh-TW" altLang="en-US" smtClean="0"/>
-              <a:t>15</a:t>
+              <a:t>17</a:t>
             </a:fld>
             <a:endParaRPr lang="zh-TW" altLang="en-US"/>
           </a:p>
@@ -7006,7 +6994,7 @@
     </p:spTree>
     <p:extLst>
       <p:ext uri="{BB962C8B-B14F-4D97-AF65-F5344CB8AC3E}">
-        <p14:creationId xmlns:p14="http://schemas.microsoft.com/office/powerpoint/2010/main" val="3124973699"/>
+        <p14:creationId xmlns:p14="http://schemas.microsoft.com/office/powerpoint/2010/main" val="2418051780"/>
       </p:ext>
     </p:extLst>
   </p:cSld>
@@ -7105,7 +7093,115 @@
           <a:p>
             <a:fld id="{D45CD8A4-8F2D-4EF3-BAF0-DB264CE395B6}" type="slidenum">
               <a:rPr lang="zh-TW" altLang="en-US" smtClean="0"/>
-              <a:t>16</a:t>
+              <a:t>18</a:t>
+            </a:fld>
+            <a:endParaRPr lang="zh-TW" altLang="en-US"/>
+          </a:p>
+        </p:txBody>
+      </p:sp>
+    </p:spTree>
+    <p:extLst>
+      <p:ext uri="{BB962C8B-B14F-4D97-AF65-F5344CB8AC3E}">
+        <p14:creationId xmlns:p14="http://schemas.microsoft.com/office/powerpoint/2010/main" val="3124973699"/>
+      </p:ext>
+    </p:extLst>
+  </p:cSld>
+  <p:clrMapOvr>
+    <a:masterClrMapping/>
+  </p:clrMapOvr>
+</p:notes>
+</file>
+
+<file path=ppt/notesSlides/notesSlide4.xml><?xml version="1.0" encoding="utf-8"?>
+<p:notes xmlns:a="http://schemas.openxmlformats.org/drawingml/2006/main" xmlns:r="http://schemas.openxmlformats.org/officeDocument/2006/relationships" xmlns:p="http://schemas.openxmlformats.org/presentationml/2006/main">
+  <p:cSld>
+    <p:spTree>
+      <p:nvGrpSpPr>
+        <p:cNvPr id="1" name="">
+          <a:extLst>
+            <a:ext uri="{FF2B5EF4-FFF2-40B4-BE49-F238E27FC236}">
+              <a16:creationId xmlns:a16="http://schemas.microsoft.com/office/drawing/2014/main" id="{82FF96BE-B10A-F126-FC6E-5E3A75C45147}"/>
+            </a:ext>
+          </a:extLst>
+        </p:cNvPr>
+        <p:cNvGrpSpPr/>
+        <p:nvPr/>
+      </p:nvGrpSpPr>
+      <p:grpSpPr>
+        <a:xfrm>
+          <a:off x="0" y="0"/>
+          <a:ext cx="0" cy="0"/>
+          <a:chOff x="0" y="0"/>
+          <a:chExt cx="0" cy="0"/>
+        </a:xfrm>
+      </p:grpSpPr>
+      <p:sp>
+        <p:nvSpPr>
+          <p:cNvPr id="2" name="投影片影像版面配置區 1">
+            <a:extLst>
+              <a:ext uri="{FF2B5EF4-FFF2-40B4-BE49-F238E27FC236}">
+                <a16:creationId xmlns:a16="http://schemas.microsoft.com/office/drawing/2014/main" id="{F1A39DB5-61FB-DF49-BFE8-60E44E08F1A3}"/>
+              </a:ext>
+            </a:extLst>
+          </p:cNvPr>
+          <p:cNvSpPr>
+            <a:spLocks noGrp="1" noRot="1" noChangeAspect="1"/>
+          </p:cNvSpPr>
+          <p:nvPr>
+            <p:ph type="sldImg"/>
+          </p:nvPr>
+        </p:nvSpPr>
+        <p:spPr/>
+      </p:sp>
+      <p:sp>
+        <p:nvSpPr>
+          <p:cNvPr id="3" name="備忘稿版面配置區 2">
+            <a:extLst>
+              <a:ext uri="{FF2B5EF4-FFF2-40B4-BE49-F238E27FC236}">
+                <a16:creationId xmlns:a16="http://schemas.microsoft.com/office/drawing/2014/main" id="{98E975B6-5BB8-4E63-7009-9EBE5005D380}"/>
+              </a:ext>
+            </a:extLst>
+          </p:cNvPr>
+          <p:cNvSpPr>
+            <a:spLocks noGrp="1"/>
+          </p:cNvSpPr>
+          <p:nvPr>
+            <p:ph type="body" idx="1"/>
+          </p:nvPr>
+        </p:nvSpPr>
+        <p:spPr/>
+        <p:txBody>
+          <a:bodyPr/>
+          <a:lstStyle/>
+          <a:p>
+            <a:endParaRPr lang="zh-TW" altLang="en-US" dirty="0"/>
+          </a:p>
+        </p:txBody>
+      </p:sp>
+      <p:sp>
+        <p:nvSpPr>
+          <p:cNvPr id="4" name="投影片編號版面配置區 3">
+            <a:extLst>
+              <a:ext uri="{FF2B5EF4-FFF2-40B4-BE49-F238E27FC236}">
+                <a16:creationId xmlns:a16="http://schemas.microsoft.com/office/drawing/2014/main" id="{BD056FED-4876-611E-50C5-6F52F02DE608}"/>
+              </a:ext>
+            </a:extLst>
+          </p:cNvPr>
+          <p:cNvSpPr>
+            <a:spLocks noGrp="1"/>
+          </p:cNvSpPr>
+          <p:nvPr>
+            <p:ph type="sldNum" sz="quarter" idx="5"/>
+          </p:nvPr>
+        </p:nvSpPr>
+        <p:spPr/>
+        <p:txBody>
+          <a:bodyPr/>
+          <a:lstStyle/>
+          <a:p>
+            <a:fld id="{D45CD8A4-8F2D-4EF3-BAF0-DB264CE395B6}" type="slidenum">
+              <a:rPr lang="zh-TW" altLang="en-US" smtClean="0"/>
+              <a:t>19</a:t>
             </a:fld>
             <a:endParaRPr lang="zh-TW" altLang="en-US"/>
           </a:p>
@@ -7115,6 +7211,114 @@
     <p:extLst>
       <p:ext uri="{BB962C8B-B14F-4D97-AF65-F5344CB8AC3E}">
         <p14:creationId xmlns:p14="http://schemas.microsoft.com/office/powerpoint/2010/main" val="2039275545"/>
+      </p:ext>
+    </p:extLst>
+  </p:cSld>
+  <p:clrMapOvr>
+    <a:masterClrMapping/>
+  </p:clrMapOvr>
+</p:notes>
+</file>
+
+<file path=ppt/notesSlides/notesSlide5.xml><?xml version="1.0" encoding="utf-8"?>
+<p:notes xmlns:a="http://schemas.openxmlformats.org/drawingml/2006/main" xmlns:r="http://schemas.openxmlformats.org/officeDocument/2006/relationships" xmlns:p="http://schemas.openxmlformats.org/presentationml/2006/main">
+  <p:cSld>
+    <p:spTree>
+      <p:nvGrpSpPr>
+        <p:cNvPr id="1" name="">
+          <a:extLst>
+            <a:ext uri="{FF2B5EF4-FFF2-40B4-BE49-F238E27FC236}">
+              <a16:creationId xmlns:a16="http://schemas.microsoft.com/office/drawing/2014/main" id="{82FF96BE-B10A-F126-FC6E-5E3A75C45147}"/>
+            </a:ext>
+          </a:extLst>
+        </p:cNvPr>
+        <p:cNvGrpSpPr/>
+        <p:nvPr/>
+      </p:nvGrpSpPr>
+      <p:grpSpPr>
+        <a:xfrm>
+          <a:off x="0" y="0"/>
+          <a:ext cx="0" cy="0"/>
+          <a:chOff x="0" y="0"/>
+          <a:chExt cx="0" cy="0"/>
+        </a:xfrm>
+      </p:grpSpPr>
+      <p:sp>
+        <p:nvSpPr>
+          <p:cNvPr id="2" name="投影片影像版面配置區 1">
+            <a:extLst>
+              <a:ext uri="{FF2B5EF4-FFF2-40B4-BE49-F238E27FC236}">
+                <a16:creationId xmlns:a16="http://schemas.microsoft.com/office/drawing/2014/main" id="{F1A39DB5-61FB-DF49-BFE8-60E44E08F1A3}"/>
+              </a:ext>
+            </a:extLst>
+          </p:cNvPr>
+          <p:cNvSpPr>
+            <a:spLocks noGrp="1" noRot="1" noChangeAspect="1"/>
+          </p:cNvSpPr>
+          <p:nvPr>
+            <p:ph type="sldImg"/>
+          </p:nvPr>
+        </p:nvSpPr>
+        <p:spPr/>
+      </p:sp>
+      <p:sp>
+        <p:nvSpPr>
+          <p:cNvPr id="3" name="備忘稿版面配置區 2">
+            <a:extLst>
+              <a:ext uri="{FF2B5EF4-FFF2-40B4-BE49-F238E27FC236}">
+                <a16:creationId xmlns:a16="http://schemas.microsoft.com/office/drawing/2014/main" id="{98E975B6-5BB8-4E63-7009-9EBE5005D380}"/>
+              </a:ext>
+            </a:extLst>
+          </p:cNvPr>
+          <p:cNvSpPr>
+            <a:spLocks noGrp="1"/>
+          </p:cNvSpPr>
+          <p:nvPr>
+            <p:ph type="body" idx="1"/>
+          </p:nvPr>
+        </p:nvSpPr>
+        <p:spPr/>
+        <p:txBody>
+          <a:bodyPr/>
+          <a:lstStyle/>
+          <a:p>
+            <a:endParaRPr lang="zh-TW" altLang="en-US" dirty="0"/>
+          </a:p>
+        </p:txBody>
+      </p:sp>
+      <p:sp>
+        <p:nvSpPr>
+          <p:cNvPr id="4" name="投影片編號版面配置區 3">
+            <a:extLst>
+              <a:ext uri="{FF2B5EF4-FFF2-40B4-BE49-F238E27FC236}">
+                <a16:creationId xmlns:a16="http://schemas.microsoft.com/office/drawing/2014/main" id="{BD056FED-4876-611E-50C5-6F52F02DE608}"/>
+              </a:ext>
+            </a:extLst>
+          </p:cNvPr>
+          <p:cNvSpPr>
+            <a:spLocks noGrp="1"/>
+          </p:cNvSpPr>
+          <p:nvPr>
+            <p:ph type="sldNum" sz="quarter" idx="5"/>
+          </p:nvPr>
+        </p:nvSpPr>
+        <p:spPr/>
+        <p:txBody>
+          <a:bodyPr/>
+          <a:lstStyle/>
+          <a:p>
+            <a:fld id="{D45CD8A4-8F2D-4EF3-BAF0-DB264CE395B6}" type="slidenum">
+              <a:rPr lang="zh-TW" altLang="en-US" smtClean="0"/>
+              <a:t>20</a:t>
+            </a:fld>
+            <a:endParaRPr lang="zh-TW" altLang="en-US"/>
+          </a:p>
+        </p:txBody>
+      </p:sp>
+    </p:spTree>
+    <p:extLst>
+      <p:ext uri="{BB962C8B-B14F-4D97-AF65-F5344CB8AC3E}">
+        <p14:creationId xmlns:p14="http://schemas.microsoft.com/office/powerpoint/2010/main" val="3083662460"/>
       </p:ext>
     </p:extLst>
   </p:cSld>
@@ -7271,7 +7475,7 @@
           <a:p>
             <a:fld id="{C3F5D642-FBC0-42D0-AEDC-FCC9D960480E}" type="datetimeFigureOut">
               <a:rPr lang="zh-TW" altLang="en-US" smtClean="0"/>
-              <a:t>2024/6/20</a:t>
+              <a:t>2024/6/24</a:t>
             </a:fld>
             <a:endParaRPr lang="zh-TW" altLang="en-US"/>
           </a:p>
@@ -7469,7 +7673,7 @@
           <a:p>
             <a:fld id="{C3F5D642-FBC0-42D0-AEDC-FCC9D960480E}" type="datetimeFigureOut">
               <a:rPr lang="zh-TW" altLang="en-US" smtClean="0"/>
-              <a:t>2024/6/20</a:t>
+              <a:t>2024/6/24</a:t>
             </a:fld>
             <a:endParaRPr lang="zh-TW" altLang="en-US"/>
           </a:p>
@@ -7677,7 +7881,7 @@
           <a:p>
             <a:fld id="{C3F5D642-FBC0-42D0-AEDC-FCC9D960480E}" type="datetimeFigureOut">
               <a:rPr lang="zh-TW" altLang="en-US" smtClean="0"/>
-              <a:t>2024/6/20</a:t>
+              <a:t>2024/6/24</a:t>
             </a:fld>
             <a:endParaRPr lang="zh-TW" altLang="en-US"/>
           </a:p>
@@ -7875,7 +8079,7 @@
           <a:p>
             <a:fld id="{E6D58518-40FE-4391-8D67-8017A93E5007}" type="datetimeFigureOut">
               <a:rPr lang="zh-TW" altLang="en-US" smtClean="0"/>
-              <a:t>2024/6/20</a:t>
+              <a:t>2024/6/24</a:t>
             </a:fld>
             <a:endParaRPr lang="zh-TW" altLang="en-US"/>
           </a:p>
@@ -8073,7 +8277,7 @@
           <a:p>
             <a:fld id="{C3F5D642-FBC0-42D0-AEDC-FCC9D960480E}" type="datetimeFigureOut">
               <a:rPr lang="zh-TW" altLang="en-US" smtClean="0"/>
-              <a:t>2024/6/20</a:t>
+              <a:t>2024/6/24</a:t>
             </a:fld>
             <a:endParaRPr lang="zh-TW" altLang="en-US"/>
           </a:p>
@@ -8348,7 +8552,7 @@
           <a:p>
             <a:fld id="{C3F5D642-FBC0-42D0-AEDC-FCC9D960480E}" type="datetimeFigureOut">
               <a:rPr lang="zh-TW" altLang="en-US" smtClean="0"/>
-              <a:t>2024/6/20</a:t>
+              <a:t>2024/6/24</a:t>
             </a:fld>
             <a:endParaRPr lang="zh-TW" altLang="en-US"/>
           </a:p>
@@ -8613,7 +8817,7 @@
           <a:p>
             <a:fld id="{C3F5D642-FBC0-42D0-AEDC-FCC9D960480E}" type="datetimeFigureOut">
               <a:rPr lang="zh-TW" altLang="en-US" smtClean="0"/>
-              <a:t>2024/6/20</a:t>
+              <a:t>2024/6/24</a:t>
             </a:fld>
             <a:endParaRPr lang="zh-TW" altLang="en-US"/>
           </a:p>
@@ -9025,7 +9229,7 @@
           <a:p>
             <a:fld id="{C3F5D642-FBC0-42D0-AEDC-FCC9D960480E}" type="datetimeFigureOut">
               <a:rPr lang="zh-TW" altLang="en-US" smtClean="0"/>
-              <a:t>2024/6/20</a:t>
+              <a:t>2024/6/24</a:t>
             </a:fld>
             <a:endParaRPr lang="zh-TW" altLang="en-US"/>
           </a:p>
@@ -9166,7 +9370,7 @@
           <a:p>
             <a:fld id="{C3F5D642-FBC0-42D0-AEDC-FCC9D960480E}" type="datetimeFigureOut">
               <a:rPr lang="zh-TW" altLang="en-US" smtClean="0"/>
-              <a:t>2024/6/20</a:t>
+              <a:t>2024/6/24</a:t>
             </a:fld>
             <a:endParaRPr lang="zh-TW" altLang="en-US"/>
           </a:p>
@@ -9279,7 +9483,7 @@
           <a:p>
             <a:fld id="{C3F5D642-FBC0-42D0-AEDC-FCC9D960480E}" type="datetimeFigureOut">
               <a:rPr lang="zh-TW" altLang="en-US" smtClean="0"/>
-              <a:t>2024/6/20</a:t>
+              <a:t>2024/6/24</a:t>
             </a:fld>
             <a:endParaRPr lang="zh-TW" altLang="en-US"/>
           </a:p>
@@ -9590,7 +9794,7 @@
           <a:p>
             <a:fld id="{C3F5D642-FBC0-42D0-AEDC-FCC9D960480E}" type="datetimeFigureOut">
               <a:rPr lang="zh-TW" altLang="en-US" smtClean="0"/>
-              <a:t>2024/6/20</a:t>
+              <a:t>2024/6/24</a:t>
             </a:fld>
             <a:endParaRPr lang="zh-TW" altLang="en-US"/>
           </a:p>
@@ -9878,7 +10082,7 @@
           <a:p>
             <a:fld id="{C3F5D642-FBC0-42D0-AEDC-FCC9D960480E}" type="datetimeFigureOut">
               <a:rPr lang="zh-TW" altLang="en-US" smtClean="0"/>
-              <a:t>2024/6/20</a:t>
+              <a:t>2024/6/24</a:t>
             </a:fld>
             <a:endParaRPr lang="zh-TW" altLang="en-US"/>
           </a:p>
@@ -10119,7 +10323,7 @@
           <a:p>
             <a:fld id="{C3F5D642-FBC0-42D0-AEDC-FCC9D960480E}" type="datetimeFigureOut">
               <a:rPr lang="zh-TW" altLang="en-US" smtClean="0"/>
-              <a:t>2024/6/20</a:t>
+              <a:t>2024/6/24</a:t>
             </a:fld>
             <a:endParaRPr lang="zh-TW" altLang="en-US"/>
           </a:p>
@@ -10552,13 +10756,13 @@
           <p:nvPr/>
         </p:nvPicPr>
         <p:blipFill>
-          <a:blip r:embed="rId2">
+          <a:blip r:embed="rId3">
             <a:extLst>
               <a:ext uri="{28A0092B-C50C-407E-A947-70E740481C1C}">
                 <a14:useLocalDpi xmlns:a14="http://schemas.microsoft.com/office/drawing/2010/main" val="0"/>
               </a:ext>
               <a:ext uri="{96DAC541-7B7A-43D3-8B79-37D633B846F1}">
-                <asvg:svgBlip xmlns:asvg="http://schemas.microsoft.com/office/drawing/2016/SVG/main" r:embed="rId3"/>
+                <asvg:svgBlip xmlns:asvg="http://schemas.microsoft.com/office/drawing/2016/SVG/main" r:embed="rId4"/>
               </a:ext>
             </a:extLst>
           </a:blip>
@@ -10627,6 +10831,90 @@
           </a:p>
         </p:txBody>
       </p:sp>
+      <p:sp>
+        <p:nvSpPr>
+          <p:cNvPr id="4" name="文字方塊 3">
+            <a:extLst>
+              <a:ext uri="{FF2B5EF4-FFF2-40B4-BE49-F238E27FC236}">
+                <a16:creationId xmlns:a16="http://schemas.microsoft.com/office/drawing/2014/main" id="{349285DE-8B5B-FBE0-B495-2056056F74D2}"/>
+              </a:ext>
+            </a:extLst>
+          </p:cNvPr>
+          <p:cNvSpPr txBox="1"/>
+          <p:nvPr/>
+        </p:nvSpPr>
+        <p:spPr>
+          <a:xfrm>
+            <a:off x="6096000" y="5113484"/>
+            <a:ext cx="3977640" cy="769441"/>
+          </a:xfrm>
+          <a:prstGeom prst="rect">
+            <a:avLst/>
+          </a:prstGeom>
+          <a:noFill/>
+        </p:spPr>
+        <p:txBody>
+          <a:bodyPr wrap="square">
+            <a:spAutoFit/>
+          </a:bodyPr>
+          <a:lstStyle/>
+          <a:p>
+            <a:pPr algn="ctr"/>
+            <a:r>
+              <a:rPr lang="en-US" altLang="zh-TW" sz="4400" b="1" kern="100" dirty="0">
+                <a:solidFill>
+                  <a:schemeClr val="accent6"/>
+                </a:solidFill>
+                <a:latin typeface="標楷體" panose="03000509000000000000" pitchFamily="65" charset="-120"/>
+                <a:ea typeface="標楷體" panose="03000509000000000000" pitchFamily="65" charset="-120"/>
+                <a:cs typeface="Times New Roman" panose="02020603050405020304" pitchFamily="18" charset="0"/>
+              </a:rPr>
+              <a:t>30</a:t>
+            </a:r>
+            <a:r>
+              <a:rPr lang="zh-TW" altLang="en-US" sz="4400" b="1" kern="100" dirty="0">
+                <a:solidFill>
+                  <a:schemeClr val="accent6"/>
+                </a:solidFill>
+                <a:latin typeface="標楷體" panose="03000509000000000000" pitchFamily="65" charset="-120"/>
+                <a:ea typeface="標楷體" panose="03000509000000000000" pitchFamily="65" charset="-120"/>
+                <a:cs typeface="Times New Roman" panose="02020603050405020304" pitchFamily="18" charset="0"/>
+              </a:rPr>
+              <a:t> </a:t>
+            </a:r>
+            <a:r>
+              <a:rPr lang="en-US" altLang="zh-TW" sz="4400" b="1" kern="100" dirty="0">
+                <a:solidFill>
+                  <a:schemeClr val="accent6"/>
+                </a:solidFill>
+                <a:latin typeface="標楷體" panose="03000509000000000000" pitchFamily="65" charset="-120"/>
+                <a:ea typeface="標楷體" panose="03000509000000000000" pitchFamily="65" charset="-120"/>
+                <a:cs typeface="Times New Roman" panose="02020603050405020304" pitchFamily="18" charset="0"/>
+              </a:rPr>
+              <a:t>/</a:t>
+            </a:r>
+            <a:r>
+              <a:rPr lang="zh-TW" altLang="en-US" sz="4400" b="1" kern="100" dirty="0">
+                <a:solidFill>
+                  <a:schemeClr val="accent6"/>
+                </a:solidFill>
+                <a:latin typeface="標楷體" panose="03000509000000000000" pitchFamily="65" charset="-120"/>
+                <a:ea typeface="標楷體" panose="03000509000000000000" pitchFamily="65" charset="-120"/>
+                <a:cs typeface="Times New Roman" panose="02020603050405020304" pitchFamily="18" charset="0"/>
+              </a:rPr>
+              <a:t> 何祐昇</a:t>
+            </a:r>
+            <a:endParaRPr lang="en-US" altLang="zh-TW" sz="4400" b="1" kern="100" dirty="0">
+              <a:solidFill>
+                <a:schemeClr val="accent6"/>
+              </a:solidFill>
+              <a:latin typeface="標楷體" panose="03000509000000000000" pitchFamily="65" charset="-120"/>
+              <a:ea typeface="標楷體" panose="03000509000000000000" pitchFamily="65" charset="-120"/>
+              <a:cs typeface="Times New Roman" panose="02020603050405020304" pitchFamily="18" charset="0"/>
+            </a:endParaRPr>
+          </a:p>
+        </p:txBody>
+      </p:sp>
     </p:spTree>
     <p:extLst>
       <p:ext uri="{BB962C8B-B14F-4D97-AF65-F5344CB8AC3E}">
@@ -10641,6 +10929,302 @@
 </file>
 
 <file path=ppt/slides/slide10.xml><?xml version="1.0" encoding="utf-8"?>
+<p:sld xmlns:a="http://schemas.openxmlformats.org/drawingml/2006/main" xmlns:r="http://schemas.openxmlformats.org/officeDocument/2006/relationships" xmlns:p="http://schemas.openxmlformats.org/presentationml/2006/main">
+  <p:cSld>
+    <p:spTree>
+      <p:nvGrpSpPr>
+        <p:cNvPr id="1" name="">
+          <a:extLst>
+            <a:ext uri="{FF2B5EF4-FFF2-40B4-BE49-F238E27FC236}">
+              <a16:creationId xmlns:a16="http://schemas.microsoft.com/office/drawing/2014/main" id="{B89A3AB8-B1B4-F75C-046F-8D1E1CBA0F16}"/>
+            </a:ext>
+          </a:extLst>
+        </p:cNvPr>
+        <p:cNvGrpSpPr/>
+        <p:nvPr/>
+      </p:nvGrpSpPr>
+      <p:grpSpPr>
+        <a:xfrm>
+          <a:off x="0" y="0"/>
+          <a:ext cx="0" cy="0"/>
+          <a:chOff x="0" y="0"/>
+          <a:chExt cx="0" cy="0"/>
+        </a:xfrm>
+      </p:grpSpPr>
+      <p:sp>
+        <p:nvSpPr>
+          <p:cNvPr id="2" name="標題 1">
+            <a:extLst>
+              <a:ext uri="{FF2B5EF4-FFF2-40B4-BE49-F238E27FC236}">
+                <a16:creationId xmlns:a16="http://schemas.microsoft.com/office/drawing/2014/main" id="{17D41F91-72F2-C4F7-9FA5-8266AFBCE4E3}"/>
+              </a:ext>
+            </a:extLst>
+          </p:cNvPr>
+          <p:cNvSpPr>
+            <a:spLocks noGrp="1"/>
+          </p:cNvSpPr>
+          <p:nvPr>
+            <p:ph type="title"/>
+          </p:nvPr>
+        </p:nvSpPr>
+        <p:spPr>
+          <a:xfrm>
+            <a:off x="2951747" y="1929456"/>
+            <a:ext cx="6288505" cy="2999087"/>
+          </a:xfrm>
+        </p:spPr>
+        <p:txBody>
+          <a:bodyPr vert="horz" lIns="91440" tIns="45720" rIns="91440" bIns="45720" rtlCol="0" anchor="ctr">
+            <a:noAutofit/>
+          </a:bodyPr>
+          <a:lstStyle/>
+          <a:p>
+            <a:r>
+              <a:rPr lang="en-US" altLang="zh-TW" sz="13800" dirty="0">
+                <a:latin typeface="Times New Roman" panose="02020603050405020304" pitchFamily="18" charset="0"/>
+                <a:cs typeface="Times New Roman" panose="02020603050405020304" pitchFamily="18" charset="0"/>
+              </a:rPr>
+              <a:t>Analyze</a:t>
+            </a:r>
+          </a:p>
+        </p:txBody>
+      </p:sp>
+    </p:spTree>
+    <p:extLst>
+      <p:ext uri="{BB962C8B-B14F-4D97-AF65-F5344CB8AC3E}">
+        <p14:creationId xmlns:p14="http://schemas.microsoft.com/office/powerpoint/2010/main" val="1221269186"/>
+      </p:ext>
+    </p:extLst>
+  </p:cSld>
+  <p:clrMapOvr>
+    <a:masterClrMapping/>
+  </p:clrMapOvr>
+</p:sld>
+</file>
+
+<file path=ppt/slides/slide11.xml><?xml version="1.0" encoding="utf-8"?>
+<p:sld xmlns:a="http://schemas.openxmlformats.org/drawingml/2006/main" xmlns:r="http://schemas.openxmlformats.org/officeDocument/2006/relationships" xmlns:p="http://schemas.openxmlformats.org/presentationml/2006/main">
+  <p:cSld>
+    <p:spTree>
+      <p:nvGrpSpPr>
+        <p:cNvPr id="1" name="">
+          <a:extLst>
+            <a:ext uri="{FF2B5EF4-FFF2-40B4-BE49-F238E27FC236}">
+              <a16:creationId xmlns:a16="http://schemas.microsoft.com/office/drawing/2014/main" id="{B89A3AB8-B1B4-F75C-046F-8D1E1CBA0F16}"/>
+            </a:ext>
+          </a:extLst>
+        </p:cNvPr>
+        <p:cNvGrpSpPr/>
+        <p:nvPr/>
+      </p:nvGrpSpPr>
+      <p:grpSpPr>
+        <a:xfrm>
+          <a:off x="0" y="0"/>
+          <a:ext cx="0" cy="0"/>
+          <a:chOff x="0" y="0"/>
+          <a:chExt cx="0" cy="0"/>
+        </a:xfrm>
+      </p:grpSpPr>
+      <p:pic>
+        <p:nvPicPr>
+          <p:cNvPr id="5" name="圖片 4">
+            <a:extLst>
+              <a:ext uri="{FF2B5EF4-FFF2-40B4-BE49-F238E27FC236}">
+                <a16:creationId xmlns:a16="http://schemas.microsoft.com/office/drawing/2014/main" id="{0E9B2151-6D73-F1E5-8A62-3F7672A5322E}"/>
+              </a:ext>
+            </a:extLst>
+          </p:cNvPr>
+          <p:cNvPicPr>
+            <a:picLocks noChangeAspect="1"/>
+          </p:cNvPicPr>
+          <p:nvPr/>
+        </p:nvPicPr>
+        <p:blipFill>
+          <a:blip r:embed="rId2"/>
+          <a:stretch>
+            <a:fillRect/>
+          </a:stretch>
+        </p:blipFill>
+        <p:spPr>
+          <a:xfrm>
+            <a:off x="0" y="0"/>
+            <a:ext cx="12008228" cy="6336632"/>
+          </a:xfrm>
+          <a:prstGeom prst="rect">
+            <a:avLst/>
+          </a:prstGeom>
+        </p:spPr>
+      </p:pic>
+      <p:sp>
+        <p:nvSpPr>
+          <p:cNvPr id="3" name="文字版面配置區 2">
+            <a:extLst>
+              <a:ext uri="{FF2B5EF4-FFF2-40B4-BE49-F238E27FC236}">
+                <a16:creationId xmlns:a16="http://schemas.microsoft.com/office/drawing/2014/main" id="{893995CD-A093-0D82-1DF9-BFA36B7AFF51}"/>
+              </a:ext>
+            </a:extLst>
+          </p:cNvPr>
+          <p:cNvSpPr>
+            <a:spLocks noGrp="1"/>
+          </p:cNvSpPr>
+          <p:nvPr>
+            <p:ph type="body" idx="1"/>
+          </p:nvPr>
+        </p:nvSpPr>
+        <p:spPr>
+          <a:xfrm>
+            <a:off x="9416716" y="2069432"/>
+            <a:ext cx="2775284" cy="4788568"/>
+          </a:xfrm>
+        </p:spPr>
+        <p:txBody>
+          <a:bodyPr vert="horz" lIns="91440" tIns="45720" rIns="91440" bIns="45720" rtlCol="0" anchor="ctr">
+            <a:normAutofit/>
+          </a:bodyPr>
+          <a:lstStyle/>
+          <a:p>
+            <a:pPr algn="l">
+              <a:buFont typeface="Arial" panose="020B0604020202020204" pitchFamily="34" charset="0"/>
+              <a:buChar char="•"/>
+            </a:pPr>
+            <a:r>
+              <a:rPr lang="en-US" altLang="zh-TW" sz="3200" dirty="0">
+                <a:solidFill>
+                  <a:srgbClr val="3C4043"/>
+                </a:solidFill>
+                <a:latin typeface="Times New Roman" panose="02020603050405020304" pitchFamily="18" charset="0"/>
+                <a:cs typeface="Times New Roman" panose="02020603050405020304" pitchFamily="18" charset="0"/>
+              </a:rPr>
+              <a:t>evaluate security control effectiveness</a:t>
+            </a:r>
+          </a:p>
+        </p:txBody>
+      </p:sp>
+    </p:spTree>
+    <p:extLst>
+      <p:ext uri="{BB962C8B-B14F-4D97-AF65-F5344CB8AC3E}">
+        <p14:creationId xmlns:p14="http://schemas.microsoft.com/office/powerpoint/2010/main" val="1088668345"/>
+      </p:ext>
+    </p:extLst>
+  </p:cSld>
+  <p:clrMapOvr>
+    <a:masterClrMapping/>
+  </p:clrMapOvr>
+</p:sld>
+</file>
+
+<file path=ppt/slides/slide12.xml><?xml version="1.0" encoding="utf-8"?>
+<p:sld xmlns:a="http://schemas.openxmlformats.org/drawingml/2006/main" xmlns:r="http://schemas.openxmlformats.org/officeDocument/2006/relationships" xmlns:p="http://schemas.openxmlformats.org/presentationml/2006/main">
+  <p:cSld>
+    <p:spTree>
+      <p:nvGrpSpPr>
+        <p:cNvPr id="1" name="">
+          <a:extLst>
+            <a:ext uri="{FF2B5EF4-FFF2-40B4-BE49-F238E27FC236}">
+              <a16:creationId xmlns:a16="http://schemas.microsoft.com/office/drawing/2014/main" id="{B89A3AB8-B1B4-F75C-046F-8D1E1CBA0F16}"/>
+            </a:ext>
+          </a:extLst>
+        </p:cNvPr>
+        <p:cNvGrpSpPr/>
+        <p:nvPr/>
+      </p:nvGrpSpPr>
+      <p:grpSpPr>
+        <a:xfrm>
+          <a:off x="0" y="0"/>
+          <a:ext cx="0" cy="0"/>
+          <a:chOff x="0" y="0"/>
+          <a:chExt cx="0" cy="0"/>
+        </a:xfrm>
+      </p:grpSpPr>
+      <p:pic>
+        <p:nvPicPr>
+          <p:cNvPr id="2" name="圖片 1">
+            <a:extLst>
+              <a:ext uri="{FF2B5EF4-FFF2-40B4-BE49-F238E27FC236}">
+                <a16:creationId xmlns:a16="http://schemas.microsoft.com/office/drawing/2014/main" id="{652AAE41-6B37-DD2F-DBC3-4F97F4141BF0}"/>
+              </a:ext>
+            </a:extLst>
+          </p:cNvPr>
+          <p:cNvPicPr>
+            <a:picLocks noChangeAspect="1"/>
+          </p:cNvPicPr>
+          <p:nvPr/>
+        </p:nvPicPr>
+        <p:blipFill>
+          <a:blip r:embed="rId2"/>
+          <a:stretch>
+            <a:fillRect/>
+          </a:stretch>
+        </p:blipFill>
+        <p:spPr>
+          <a:xfrm>
+            <a:off x="-1" y="-1"/>
+            <a:ext cx="12193249" cy="6134793"/>
+          </a:xfrm>
+          <a:prstGeom prst="rect">
+            <a:avLst/>
+          </a:prstGeom>
+        </p:spPr>
+      </p:pic>
+      <p:sp>
+        <p:nvSpPr>
+          <p:cNvPr id="3" name="文字版面配置區 2">
+            <a:extLst>
+              <a:ext uri="{FF2B5EF4-FFF2-40B4-BE49-F238E27FC236}">
+                <a16:creationId xmlns:a16="http://schemas.microsoft.com/office/drawing/2014/main" id="{893995CD-A093-0D82-1DF9-BFA36B7AFF51}"/>
+              </a:ext>
+            </a:extLst>
+          </p:cNvPr>
+          <p:cNvSpPr>
+            <a:spLocks noGrp="1"/>
+          </p:cNvSpPr>
+          <p:nvPr>
+            <p:ph type="body" idx="1"/>
+          </p:nvPr>
+        </p:nvSpPr>
+        <p:spPr>
+          <a:xfrm>
+            <a:off x="8245642" y="2145710"/>
+            <a:ext cx="3946357" cy="3989083"/>
+          </a:xfrm>
+        </p:spPr>
+        <p:txBody>
+          <a:bodyPr vert="horz" lIns="91440" tIns="45720" rIns="91440" bIns="45720" rtlCol="0" anchor="ctr">
+            <a:normAutofit/>
+          </a:bodyPr>
+          <a:lstStyle/>
+          <a:p>
+            <a:pPr algn="l">
+              <a:buFont typeface="Arial" panose="020B0604020202020204" pitchFamily="34" charset="0"/>
+              <a:buChar char="•"/>
+            </a:pPr>
+            <a:r>
+              <a:rPr lang="en-US" altLang="zh-TW" sz="3600" dirty="0">
+                <a:solidFill>
+                  <a:srgbClr val="3C4043"/>
+                </a:solidFill>
+                <a:latin typeface="Times New Roman" panose="02020603050405020304" pitchFamily="18" charset="0"/>
+                <a:cs typeface="Times New Roman" panose="02020603050405020304" pitchFamily="18" charset="0"/>
+              </a:rPr>
+              <a:t>monitoring changes in the future</a:t>
+            </a:r>
+          </a:p>
+        </p:txBody>
+      </p:sp>
+    </p:spTree>
+    <p:extLst>
+      <p:ext uri="{BB962C8B-B14F-4D97-AF65-F5344CB8AC3E}">
+        <p14:creationId xmlns:p14="http://schemas.microsoft.com/office/powerpoint/2010/main" val="640028506"/>
+      </p:ext>
+    </p:extLst>
+  </p:cSld>
+  <p:clrMapOvr>
+    <a:masterClrMapping/>
+  </p:clrMapOvr>
+</p:sld>
+</file>
+
+<file path=ppt/slides/slide13.xml><?xml version="1.0" encoding="utf-8"?>
 <p:sld xmlns:a="http://schemas.openxmlformats.org/drawingml/2006/main" xmlns:r="http://schemas.openxmlformats.org/officeDocument/2006/relationships" xmlns:p="http://schemas.openxmlformats.org/presentationml/2006/main">
   <p:cSld>
     <p:spTree>
@@ -10740,7 +11324,7 @@
 </p:sld>
 </file>
 
-<file path=ppt/slides/slide11.xml><?xml version="1.0" encoding="utf-8"?>
+<file path=ppt/slides/slide14.xml><?xml version="1.0" encoding="utf-8"?>
 <p:sld xmlns:a="http://schemas.openxmlformats.org/drawingml/2006/main" xmlns:r="http://schemas.openxmlformats.org/officeDocument/2006/relationships" xmlns:p="http://schemas.openxmlformats.org/presentationml/2006/main">
   <p:cSld>
     <p:spTree>
@@ -10839,7 +11423,7 @@
 </p:sld>
 </file>
 
-<file path=ppt/slides/slide12.xml><?xml version="1.0" encoding="utf-8"?>
+<file path=ppt/slides/slide15.xml><?xml version="1.0" encoding="utf-8"?>
 <p:sld xmlns:a="http://schemas.openxmlformats.org/drawingml/2006/main" xmlns:r="http://schemas.openxmlformats.org/officeDocument/2006/relationships" xmlns:p="http://schemas.openxmlformats.org/presentationml/2006/main">
   <p:cSld>
     <p:spTree>
@@ -10943,7 +11527,7 @@
 </p:sld>
 </file>
 
-<file path=ppt/slides/slide13.xml><?xml version="1.0" encoding="utf-8"?>
+<file path=ppt/slides/slide16.xml><?xml version="1.0" encoding="utf-8"?>
 <p:sld xmlns:a="http://schemas.openxmlformats.org/drawingml/2006/main" xmlns:r="http://schemas.openxmlformats.org/officeDocument/2006/relationships" xmlns:p="http://schemas.openxmlformats.org/presentationml/2006/main">
   <p:cSld>
     <p:spTree>
@@ -11016,8 +11600,8 @@
         </p:nvSpPr>
         <p:spPr>
           <a:xfrm>
-            <a:off x="0" y="1"/>
-            <a:ext cx="12191998" cy="6133514"/>
+            <a:off x="0" y="997527"/>
+            <a:ext cx="12191998" cy="5135988"/>
           </a:xfrm>
         </p:spPr>
         <p:txBody>
@@ -11026,7 +11610,7 @@
           </a:bodyPr>
           <a:lstStyle/>
           <a:p>
-            <a:pPr marL="514350"/>
+            <a:pPr marL="514350" algn="ctr"/>
             <a:r>
               <a:rPr lang="en-US" altLang="zh-TW" b="1" dirty="0">
                 <a:solidFill>
@@ -11035,31 +11619,11 @@
                 <a:latin typeface="Times New Roman" panose="02020603050405020304" pitchFamily="18" charset="0"/>
                 <a:cs typeface="Times New Roman" panose="02020603050405020304" pitchFamily="18" charset="0"/>
               </a:rPr>
-              <a:t>DDoS Attack Detection:</a:t>
-            </a:r>
-          </a:p>
-          <a:p>
-            <a:pPr marL="971550" lvl="1"/>
-            <a:r>
-              <a:rPr lang="en-US" altLang="zh-TW" b="1" dirty="0">
-                <a:latin typeface="Times New Roman" panose="02020603050405020304" pitchFamily="18" charset="0"/>
-                <a:cs typeface="Times New Roman" panose="02020603050405020304" pitchFamily="18" charset="0"/>
-              </a:rPr>
-              <a:t>Activate DDoS mitigation tools, alert IT security teams.</a:t>
-            </a:r>
-          </a:p>
-          <a:p>
-            <a:pPr marL="971550" lvl="1"/>
-            <a:endParaRPr lang="en-US" altLang="zh-TW" b="1" dirty="0">
-              <a:solidFill>
-                <a:schemeClr val="accent6"/>
-              </a:solidFill>
-              <a:latin typeface="Times New Roman" panose="02020603050405020304" pitchFamily="18" charset="0"/>
-              <a:cs typeface="Times New Roman" panose="02020603050405020304" pitchFamily="18" charset="0"/>
-            </a:endParaRPr>
-          </a:p>
-          <a:p>
-            <a:pPr marL="514350"/>
+              <a:t>DDoS Attack</a:t>
+            </a:r>
+          </a:p>
+          <a:p>
+            <a:pPr marL="514350" algn="ctr"/>
             <a:r>
               <a:rPr lang="en-US" altLang="zh-TW" b="1" dirty="0">
                 <a:solidFill>
@@ -11068,31 +11632,11 @@
                 <a:latin typeface="Times New Roman" panose="02020603050405020304" pitchFamily="18" charset="0"/>
                 <a:cs typeface="Times New Roman" panose="02020603050405020304" pitchFamily="18" charset="0"/>
               </a:rPr>
-              <a:t>Credential Stuffing:</a:t>
-            </a:r>
-          </a:p>
-          <a:p>
-            <a:pPr marL="971550" lvl="1"/>
-            <a:r>
-              <a:rPr lang="en-US" altLang="zh-TW" b="1" dirty="0">
-                <a:latin typeface="Times New Roman" panose="02020603050405020304" pitchFamily="18" charset="0"/>
-                <a:cs typeface="Times New Roman" panose="02020603050405020304" pitchFamily="18" charset="0"/>
-              </a:rPr>
-              <a:t>Implement multi-factor authentication (MFA), lock accounts after several failed attempts.</a:t>
-            </a:r>
-          </a:p>
-          <a:p>
-            <a:pPr marL="971550" lvl="1"/>
-            <a:endParaRPr lang="en-US" altLang="zh-TW" b="1" dirty="0">
-              <a:solidFill>
-                <a:schemeClr val="accent6"/>
-              </a:solidFill>
-              <a:latin typeface="Times New Roman" panose="02020603050405020304" pitchFamily="18" charset="0"/>
-              <a:cs typeface="Times New Roman" panose="02020603050405020304" pitchFamily="18" charset="0"/>
-            </a:endParaRPr>
-          </a:p>
-          <a:p>
-            <a:pPr marL="514350"/>
+              <a:t>Credential Stuffing</a:t>
+            </a:r>
+          </a:p>
+          <a:p>
+            <a:pPr marL="514350" algn="ctr"/>
             <a:r>
               <a:rPr lang="en-US" altLang="zh-TW" b="1" dirty="0">
                 <a:solidFill>
@@ -11101,17 +11645,7 @@
                 <a:latin typeface="Times New Roman" panose="02020603050405020304" pitchFamily="18" charset="0"/>
                 <a:cs typeface="Times New Roman" panose="02020603050405020304" pitchFamily="18" charset="0"/>
               </a:rPr>
-              <a:t>Insider Threats:</a:t>
-            </a:r>
-          </a:p>
-          <a:p>
-            <a:pPr marL="971550" lvl="1"/>
-            <a:r>
-              <a:rPr lang="en-US" altLang="zh-TW" b="1" dirty="0">
-                <a:latin typeface="Times New Roman" panose="02020603050405020304" pitchFamily="18" charset="0"/>
-                <a:cs typeface="Times New Roman" panose="02020603050405020304" pitchFamily="18" charset="0"/>
-              </a:rPr>
-              <a:t>Conduct thorough investigations, enforce least privilege access controls.</a:t>
+              <a:t>Insider Threats</a:t>
             </a:r>
           </a:p>
         </p:txBody>
@@ -11129,7 +11663,7 @@
 </p:sld>
 </file>
 
-<file path=ppt/slides/slide14.xml><?xml version="1.0" encoding="utf-8"?>
+<file path=ppt/slides/slide17.xml><?xml version="1.0" encoding="utf-8"?>
 <p:sld xmlns:a="http://schemas.openxmlformats.org/drawingml/2006/main" xmlns:r="http://schemas.openxmlformats.org/officeDocument/2006/relationships" xmlns:p="http://schemas.openxmlformats.org/presentationml/2006/main">
   <p:cSld>
     <p:spTree>
@@ -11224,7 +11758,16 @@
             </a:r>
           </a:p>
           <a:p>
-            <a:pPr rtl="0">
+            <a:pPr marL="285750" indent="0" algn="ctr">
+              <a:buNone/>
+            </a:pPr>
+            <a:endParaRPr lang="en-US" altLang="zh-TW" b="1" dirty="0">
+              <a:latin typeface="Times New Roman" panose="02020603050405020304" pitchFamily="18" charset="0"/>
+              <a:cs typeface="Times New Roman" panose="02020603050405020304" pitchFamily="18" charset="0"/>
+            </a:endParaRPr>
+          </a:p>
+          <a:p>
+            <a:pPr algn="ctr" rtl="0">
               <a:buFont typeface="Arial" panose="020B0604020202020204" pitchFamily="34" charset="0"/>
               <a:buChar char="•"/>
             </a:pPr>
@@ -11237,22 +11780,11 @@
                 <a:latin typeface="Times New Roman" panose="02020603050405020304" pitchFamily="18" charset="0"/>
                 <a:cs typeface="Times New Roman" panose="02020603050405020304" pitchFamily="18" charset="0"/>
               </a:rPr>
-              <a:t>- Regular Monitoring: </a:t>
-            </a:r>
-          </a:p>
-          <a:p>
-            <a:pPr lvl="1"/>
-            <a:r>
-              <a:rPr lang="en-US" altLang="zh-TW" sz="2600" b="1" dirty="0">
-                <a:effectLst/>
-                <a:latin typeface="Times New Roman" panose="02020603050405020304" pitchFamily="18" charset="0"/>
-                <a:cs typeface="Times New Roman" panose="02020603050405020304" pitchFamily="18" charset="0"/>
-              </a:rPr>
-              <a:t>Continuously monitor and update visualizations to capture real-time changes in network behavior and threat landscape.</a:t>
-            </a:r>
-          </a:p>
-          <a:p>
-            <a:pPr rtl="0">
+              <a:t>- Regular Monitoring</a:t>
+            </a:r>
+          </a:p>
+          <a:p>
+            <a:pPr algn="ctr" rtl="0">
               <a:buFont typeface="Arial" panose="020B0604020202020204" pitchFamily="34" charset="0"/>
               <a:buChar char="•"/>
             </a:pPr>
@@ -11265,22 +11797,11 @@
                 <a:latin typeface="Times New Roman" panose="02020603050405020304" pitchFamily="18" charset="0"/>
                 <a:cs typeface="Times New Roman" panose="02020603050405020304" pitchFamily="18" charset="0"/>
               </a:rPr>
-              <a:t>- Collaborative Analysis: </a:t>
-            </a:r>
-          </a:p>
-          <a:p>
-            <a:pPr lvl="1"/>
-            <a:r>
-              <a:rPr lang="en-US" altLang="zh-TW" sz="2600" b="1" dirty="0">
-                <a:effectLst/>
-                <a:latin typeface="Times New Roman" panose="02020603050405020304" pitchFamily="18" charset="0"/>
-                <a:cs typeface="Times New Roman" panose="02020603050405020304" pitchFamily="18" charset="0"/>
-              </a:rPr>
-              <a:t>Foster collaboration between analysts and stakeholders to interpret visual insights and implement effective security measures.</a:t>
-            </a:r>
-          </a:p>
-          <a:p>
-            <a:pPr rtl="0">
+              <a:t>- Collaborative Analysis</a:t>
+            </a:r>
+          </a:p>
+          <a:p>
+            <a:pPr algn="ctr" rtl="0">
               <a:buFont typeface="Arial" panose="020B0604020202020204" pitchFamily="34" charset="0"/>
               <a:buChar char="•"/>
             </a:pPr>
@@ -11293,18 +11814,7 @@
                 <a:latin typeface="Times New Roman" panose="02020603050405020304" pitchFamily="18" charset="0"/>
                 <a:cs typeface="Times New Roman" panose="02020603050405020304" pitchFamily="18" charset="0"/>
               </a:rPr>
-              <a:t>- Adaptive Strategies: </a:t>
-            </a:r>
-          </a:p>
-          <a:p>
-            <a:pPr lvl="1"/>
-            <a:r>
-              <a:rPr lang="en-US" altLang="zh-TW" sz="2600" b="1" dirty="0">
-                <a:effectLst/>
-                <a:latin typeface="Times New Roman" panose="02020603050405020304" pitchFamily="18" charset="0"/>
-                <a:cs typeface="Times New Roman" panose="02020603050405020304" pitchFamily="18" charset="0"/>
-              </a:rPr>
-              <a:t>Develop adaptive strategies based on evolving threat trends and insights derived from visualizations.</a:t>
+              <a:t>- Adaptive Strategies</a:t>
             </a:r>
           </a:p>
         </p:txBody>
@@ -11322,7 +11832,7 @@
 </p:sld>
 </file>
 
-<file path=ppt/slides/slide15.xml><?xml version="1.0" encoding="utf-8"?>
+<file path=ppt/slides/slide18.xml><?xml version="1.0" encoding="utf-8"?>
 <p:sld xmlns:a="http://schemas.openxmlformats.org/drawingml/2006/main" xmlns:r="http://schemas.openxmlformats.org/officeDocument/2006/relationships" xmlns:p="http://schemas.openxmlformats.org/presentationml/2006/main">
   <p:cSld>
     <p:spTree>
@@ -11358,7 +11868,7 @@
           <p:nvPr>
             <p:extLst>
               <p:ext uri="{D42A27DB-BD31-4B8C-83A1-F6EECF244321}">
-                <p14:modId xmlns:p14="http://schemas.microsoft.com/office/powerpoint/2010/main" val="1121422828"/>
+                <p14:modId xmlns:p14="http://schemas.microsoft.com/office/powerpoint/2010/main" val="3503347189"/>
               </p:ext>
             </p:extLst>
           </p:nvPr>
@@ -11482,7 +11992,7 @@
 </p:sld>
 </file>
 
-<file path=ppt/slides/slide16.xml><?xml version="1.0" encoding="utf-8"?>
+<file path=ppt/slides/slide19.xml><?xml version="1.0" encoding="utf-8"?>
 <p:sld xmlns:a="http://schemas.openxmlformats.org/drawingml/2006/main" xmlns:r="http://schemas.openxmlformats.org/officeDocument/2006/relationships" xmlns:p="http://schemas.openxmlformats.org/presentationml/2006/main">
   <p:cSld>
     <p:spTree>
@@ -11528,12 +12038,17 @@
           </a:bodyPr>
           <a:lstStyle/>
           <a:p>
-            <a:r>
-              <a:rPr lang="en-US" altLang="zh-TW" sz="5400" b="1" dirty="0">
-                <a:latin typeface="Times New Roman" panose="02020603050405020304" pitchFamily="18" charset="0"/>
+            <a:pPr algn="ctr"/>
+            <a:r>
+              <a:rPr lang="en-US" altLang="zh-TW" sz="5400" b="1" kern="100" dirty="0">
+                <a:solidFill>
+                  <a:schemeClr val="accent6"/>
+                </a:solidFill>
+                <a:latin typeface="標楷體" panose="03000509000000000000" pitchFamily="65" charset="-120"/>
+                <a:ea typeface="標楷體" panose="03000509000000000000" pitchFamily="65" charset="-120"/>
                 <a:cs typeface="Times New Roman" panose="02020603050405020304" pitchFamily="18" charset="0"/>
               </a:rPr>
-              <a:t>Data Source</a:t>
+              <a:t>Thoughts on class</a:t>
             </a:r>
             <a:endParaRPr lang="zh-TW" altLang="en-US" sz="5400" b="1" dirty="0">
               <a:latin typeface="Times New Roman" panose="02020603050405020304" pitchFamily="18" charset="0"/>
@@ -11565,35 +12080,69 @@
           </a:bodyPr>
           <a:lstStyle/>
           <a:p>
-            <a:r>
-              <a:rPr lang="en-US" altLang="zh-TW" sz="4800" kern="100" dirty="0">
+            <a:endParaRPr lang="en-US" altLang="zh-TW" sz="2200" kern="100" dirty="0">
+              <a:effectLst/>
+              <a:latin typeface="Times New Roman" panose="02020603050405020304" pitchFamily="18" charset="0"/>
+              <a:ea typeface="新細明體" panose="02020500000000000000" pitchFamily="18" charset="-120"/>
+              <a:cs typeface="Times New Roman" panose="02020603050405020304" pitchFamily="18" charset="0"/>
+            </a:endParaRPr>
+          </a:p>
+          <a:p>
+            <a:r>
+              <a:rPr lang="en-US" altLang="zh-TW" sz="2200" kern="100" dirty="0">
                 <a:effectLst/>
                 <a:latin typeface="Times New Roman" panose="02020603050405020304" pitchFamily="18" charset="0"/>
                 <a:ea typeface="新細明體" panose="02020500000000000000" pitchFamily="18" charset="-120"/>
                 <a:cs typeface="Times New Roman" panose="02020603050405020304" pitchFamily="18" charset="0"/>
               </a:rPr>
-              <a:t>[</a:t>
-            </a:r>
-            <a:r>
-              <a:rPr lang="en-US" altLang="zh-TW" sz="4800" kern="100" dirty="0">
-                <a:effectLst/>
-                <a:latin typeface="Times New Roman" panose="02020603050405020304" pitchFamily="18" charset="0"/>
-                <a:ea typeface="新細明體" panose="02020500000000000000" pitchFamily="18" charset="-120"/>
-                <a:cs typeface="Times New Roman" panose="02020603050405020304" pitchFamily="18" charset="0"/>
-                <a:hlinkClick r:id="rId3"/>
-              </a:rPr>
-              <a:t>Incribo</a:t>
-            </a:r>
-            <a:r>
-              <a:rPr lang="en-US" altLang="zh-TW" sz="4800" kern="100" dirty="0">
+              <a:t>AI, data analysis, and synthetic network data are crucial for modern cybersecurity.</a:t>
+            </a:r>
+          </a:p>
+          <a:p>
+            <a:endParaRPr lang="en-US" altLang="zh-TW" sz="2200" kern="100" dirty="0">
+              <a:latin typeface="Times New Roman" panose="02020603050405020304" pitchFamily="18" charset="0"/>
+              <a:ea typeface="新細明體" panose="02020500000000000000" pitchFamily="18" charset="-120"/>
+              <a:cs typeface="Times New Roman" panose="02020603050405020304" pitchFamily="18" charset="0"/>
+            </a:endParaRPr>
+          </a:p>
+          <a:p>
+            <a:endParaRPr lang="zh-TW" altLang="zh-TW" sz="2200" kern="100" dirty="0">
+              <a:effectLst/>
+              <a:latin typeface="Times New Roman" panose="02020603050405020304" pitchFamily="18" charset="0"/>
+              <a:ea typeface="新細明體" panose="02020500000000000000" pitchFamily="18" charset="-120"/>
+              <a:cs typeface="Times New Roman" panose="02020603050405020304" pitchFamily="18" charset="0"/>
+            </a:endParaRPr>
+          </a:p>
+          <a:p>
+            <a:r>
+              <a:rPr lang="en-US" altLang="zh-TW" sz="2200" kern="100" dirty="0">
                 <a:effectLst/>
                 <a:latin typeface="Times New Roman" panose="02020603050405020304" pitchFamily="18" charset="0"/>
                 <a:ea typeface="新細明體" panose="02020500000000000000" pitchFamily="18" charset="-120"/>
                 <a:cs typeface="Times New Roman" panose="02020603050405020304" pitchFamily="18" charset="0"/>
               </a:rPr>
-              <a:t>](https://github.com/incribo-inc)</a:t>
-            </a:r>
-            <a:endParaRPr lang="zh-TW" altLang="zh-TW" sz="4800" kern="100" dirty="0">
+              <a:t>AI-powered threat detection, automated incident response, and proactive vulnerability assessment are essential.</a:t>
+            </a:r>
+          </a:p>
+          <a:p>
+            <a:endParaRPr lang="zh-TW" altLang="zh-TW" sz="2200" kern="100" dirty="0">
+              <a:effectLst/>
+              <a:latin typeface="Times New Roman" panose="02020603050405020304" pitchFamily="18" charset="0"/>
+              <a:ea typeface="新細明體" panose="02020500000000000000" pitchFamily="18" charset="-120"/>
+              <a:cs typeface="Times New Roman" panose="02020603050405020304" pitchFamily="18" charset="0"/>
+            </a:endParaRPr>
+          </a:p>
+          <a:p>
+            <a:r>
+              <a:rPr lang="en-US" altLang="zh-TW" sz="2200" kern="100" dirty="0">
+                <a:effectLst/>
+                <a:latin typeface="Times New Roman" panose="02020603050405020304" pitchFamily="18" charset="0"/>
+                <a:ea typeface="新細明體" panose="02020500000000000000" pitchFamily="18" charset="-120"/>
+                <a:cs typeface="Times New Roman" panose="02020603050405020304" pitchFamily="18" charset="0"/>
+              </a:rPr>
+              <a:t>Hands-on experience, real-world case studies, and expert insights enhance learning.</a:t>
+            </a:r>
+            <a:endParaRPr lang="zh-TW" altLang="zh-TW" sz="2200" kern="100" dirty="0">
               <a:effectLst/>
               <a:latin typeface="Times New Roman" panose="02020603050405020304" pitchFamily="18" charset="0"/>
               <a:ea typeface="新細明體" panose="02020500000000000000" pitchFamily="18" charset="-120"/>
@@ -11782,7 +12331,924 @@
 </p:sld>
 </file>
 
+<file path=ppt/slides/slide20.xml><?xml version="1.0" encoding="utf-8"?>
+<p:sld xmlns:a="http://schemas.openxmlformats.org/drawingml/2006/main" xmlns:r="http://schemas.openxmlformats.org/officeDocument/2006/relationships" xmlns:p="http://schemas.openxmlformats.org/presentationml/2006/main">
+  <p:cSld>
+    <p:spTree>
+      <p:nvGrpSpPr>
+        <p:cNvPr id="1" name="">
+          <a:extLst>
+            <a:ext uri="{FF2B5EF4-FFF2-40B4-BE49-F238E27FC236}">
+              <a16:creationId xmlns:a16="http://schemas.microsoft.com/office/drawing/2014/main" id="{9939BDB5-5A31-5FF4-1863-9D7827B2EABD}"/>
+            </a:ext>
+          </a:extLst>
+        </p:cNvPr>
+        <p:cNvGrpSpPr/>
+        <p:nvPr/>
+      </p:nvGrpSpPr>
+      <p:grpSpPr>
+        <a:xfrm>
+          <a:off x="0" y="0"/>
+          <a:ext cx="0" cy="0"/>
+          <a:chOff x="0" y="0"/>
+          <a:chExt cx="0" cy="0"/>
+        </a:xfrm>
+      </p:grpSpPr>
+      <p:sp>
+        <p:nvSpPr>
+          <p:cNvPr id="3" name="標題 2">
+            <a:extLst>
+              <a:ext uri="{FF2B5EF4-FFF2-40B4-BE49-F238E27FC236}">
+                <a16:creationId xmlns:a16="http://schemas.microsoft.com/office/drawing/2014/main" id="{DFFE422B-975F-BE51-CFC3-DAFFB73D32E0}"/>
+              </a:ext>
+            </a:extLst>
+          </p:cNvPr>
+          <p:cNvSpPr>
+            <a:spLocks noGrp="1"/>
+          </p:cNvSpPr>
+          <p:nvPr>
+            <p:ph type="title"/>
+          </p:nvPr>
+        </p:nvSpPr>
+        <p:spPr/>
+        <p:txBody>
+          <a:bodyPr>
+            <a:normAutofit/>
+          </a:bodyPr>
+          <a:lstStyle/>
+          <a:p>
+            <a:r>
+              <a:rPr lang="en-US" altLang="zh-TW" sz="5400" b="1" dirty="0">
+                <a:latin typeface="Times New Roman" panose="02020603050405020304" pitchFamily="18" charset="0"/>
+                <a:cs typeface="Times New Roman" panose="02020603050405020304" pitchFamily="18" charset="0"/>
+              </a:rPr>
+              <a:t>Data Source</a:t>
+            </a:r>
+            <a:endParaRPr lang="zh-TW" altLang="en-US" sz="5400" b="1" dirty="0">
+              <a:latin typeface="Times New Roman" panose="02020603050405020304" pitchFamily="18" charset="0"/>
+              <a:cs typeface="Times New Roman" panose="02020603050405020304" pitchFamily="18" charset="0"/>
+            </a:endParaRPr>
+          </a:p>
+        </p:txBody>
+      </p:sp>
+      <p:sp>
+        <p:nvSpPr>
+          <p:cNvPr id="4" name="內容版面配置區 3">
+            <a:extLst>
+              <a:ext uri="{FF2B5EF4-FFF2-40B4-BE49-F238E27FC236}">
+                <a16:creationId xmlns:a16="http://schemas.microsoft.com/office/drawing/2014/main" id="{3FD5B4E7-35FA-8F81-BBDA-FE727559F7FD}"/>
+              </a:ext>
+            </a:extLst>
+          </p:cNvPr>
+          <p:cNvSpPr>
+            <a:spLocks noGrp="1"/>
+          </p:cNvSpPr>
+          <p:nvPr>
+            <p:ph idx="1"/>
+          </p:nvPr>
+        </p:nvSpPr>
+        <p:spPr/>
+        <p:txBody>
+          <a:bodyPr>
+            <a:normAutofit/>
+          </a:bodyPr>
+          <a:lstStyle/>
+          <a:p>
+            <a:r>
+              <a:rPr lang="en-US" altLang="zh-TW" sz="4800" kern="100" dirty="0">
+                <a:effectLst/>
+                <a:latin typeface="Times New Roman" panose="02020603050405020304" pitchFamily="18" charset="0"/>
+                <a:ea typeface="新細明體" panose="02020500000000000000" pitchFamily="18" charset="-120"/>
+                <a:cs typeface="Times New Roman" panose="02020603050405020304" pitchFamily="18" charset="0"/>
+              </a:rPr>
+              <a:t>[</a:t>
+            </a:r>
+            <a:r>
+              <a:rPr lang="en-US" altLang="zh-TW" sz="4800" kern="100" dirty="0">
+                <a:effectLst/>
+                <a:latin typeface="Times New Roman" panose="02020603050405020304" pitchFamily="18" charset="0"/>
+                <a:ea typeface="新細明體" panose="02020500000000000000" pitchFamily="18" charset="-120"/>
+                <a:cs typeface="Times New Roman" panose="02020603050405020304" pitchFamily="18" charset="0"/>
+                <a:hlinkClick r:id="rId3"/>
+              </a:rPr>
+              <a:t>Incribo</a:t>
+            </a:r>
+            <a:r>
+              <a:rPr lang="en-US" altLang="zh-TW" sz="4800" kern="100" dirty="0">
+                <a:effectLst/>
+                <a:latin typeface="Times New Roman" panose="02020603050405020304" pitchFamily="18" charset="0"/>
+                <a:ea typeface="新細明體" panose="02020500000000000000" pitchFamily="18" charset="-120"/>
+                <a:cs typeface="Times New Roman" panose="02020603050405020304" pitchFamily="18" charset="0"/>
+              </a:rPr>
+              <a:t>](</a:t>
+            </a:r>
+            <a:r>
+              <a:rPr lang="en-US" altLang="zh-TW" sz="4800" kern="100" dirty="0">
+                <a:effectLst/>
+                <a:latin typeface="Times New Roman" panose="02020603050405020304" pitchFamily="18" charset="0"/>
+                <a:ea typeface="新細明體" panose="02020500000000000000" pitchFamily="18" charset="-120"/>
+                <a:cs typeface="Times New Roman" panose="02020603050405020304" pitchFamily="18" charset="0"/>
+                <a:hlinkClick r:id="rId3"/>
+              </a:rPr>
+              <a:t>https://github.com/incribo-inc</a:t>
+            </a:r>
+            <a:r>
+              <a:rPr lang="en-US" altLang="zh-TW" sz="4800" kern="100" dirty="0">
+                <a:effectLst/>
+                <a:latin typeface="Times New Roman" panose="02020603050405020304" pitchFamily="18" charset="0"/>
+                <a:ea typeface="新細明體" panose="02020500000000000000" pitchFamily="18" charset="-120"/>
+                <a:cs typeface="Times New Roman" panose="02020603050405020304" pitchFamily="18" charset="0"/>
+              </a:rPr>
+              <a:t>)</a:t>
+            </a:r>
+          </a:p>
+          <a:p>
+            <a:r>
+              <a:rPr lang="pt-BR" altLang="zh-TW" sz="4800" kern="100" dirty="0">
+                <a:effectLst/>
+                <a:latin typeface="Times New Roman" panose="02020603050405020304" pitchFamily="18" charset="0"/>
+                <a:ea typeface="新細明體" panose="02020500000000000000" pitchFamily="18" charset="-120"/>
+                <a:cs typeface="Times New Roman" panose="02020603050405020304" pitchFamily="18" charset="0"/>
+              </a:rPr>
+              <a:t>[</a:t>
+            </a:r>
+            <a:r>
+              <a:rPr lang="pt-BR" altLang="zh-TW" sz="4800" kern="100" dirty="0">
+                <a:effectLst/>
+                <a:latin typeface="Times New Roman" panose="02020603050405020304" pitchFamily="18" charset="0"/>
+                <a:ea typeface="新細明體" panose="02020500000000000000" pitchFamily="18" charset="-120"/>
+                <a:cs typeface="Times New Roman" panose="02020603050405020304" pitchFamily="18" charset="0"/>
+                <a:hlinkClick r:id="rId4"/>
+              </a:rPr>
+              <a:t>ROCCC</a:t>
+            </a:r>
+            <a:r>
+              <a:rPr lang="pt-BR" altLang="zh-TW" sz="4800" kern="100" dirty="0">
+                <a:effectLst/>
+                <a:latin typeface="Times New Roman" panose="02020603050405020304" pitchFamily="18" charset="0"/>
+                <a:ea typeface="新細明體" panose="02020500000000000000" pitchFamily="18" charset="-120"/>
+                <a:cs typeface="Times New Roman" panose="02020603050405020304" pitchFamily="18" charset="0"/>
+              </a:rPr>
+              <a:t>](https://csrc.nist.gov/glossary/term/grc)</a:t>
+            </a:r>
+            <a:endParaRPr lang="zh-TW" altLang="zh-TW" sz="4800" kern="100" dirty="0">
+              <a:effectLst/>
+              <a:latin typeface="Times New Roman" panose="02020603050405020304" pitchFamily="18" charset="0"/>
+              <a:ea typeface="新細明體" panose="02020500000000000000" pitchFamily="18" charset="-120"/>
+              <a:cs typeface="Times New Roman" panose="02020603050405020304" pitchFamily="18" charset="0"/>
+            </a:endParaRPr>
+          </a:p>
+        </p:txBody>
+      </p:sp>
+    </p:spTree>
+    <p:extLst>
+      <p:ext uri="{BB962C8B-B14F-4D97-AF65-F5344CB8AC3E}">
+        <p14:creationId xmlns:p14="http://schemas.microsoft.com/office/powerpoint/2010/main" val="2863996780"/>
+      </p:ext>
+    </p:extLst>
+  </p:cSld>
+  <p:clrMapOvr>
+    <a:masterClrMapping/>
+  </p:clrMapOvr>
+</p:sld>
+</file>
+
 <file path=ppt/slides/slide3.xml><?xml version="1.0" encoding="utf-8"?>
+<p:sld xmlns:a="http://schemas.openxmlformats.org/drawingml/2006/main" xmlns:r="http://schemas.openxmlformats.org/officeDocument/2006/relationships" xmlns:p="http://schemas.openxmlformats.org/presentationml/2006/main">
+  <p:cSld>
+    <p:spTree>
+      <p:nvGrpSpPr>
+        <p:cNvPr id="1" name=""/>
+        <p:cNvGrpSpPr/>
+        <p:nvPr/>
+      </p:nvGrpSpPr>
+      <p:grpSpPr>
+        <a:xfrm>
+          <a:off x="0" y="0"/>
+          <a:ext cx="0" cy="0"/>
+          <a:chOff x="0" y="0"/>
+          <a:chExt cx="0" cy="0"/>
+        </a:xfrm>
+      </p:grpSpPr>
+      <p:sp>
+        <p:nvSpPr>
+          <p:cNvPr id="2" name="標題 1">
+            <a:extLst>
+              <a:ext uri="{FF2B5EF4-FFF2-40B4-BE49-F238E27FC236}">
+                <a16:creationId xmlns:a16="http://schemas.microsoft.com/office/drawing/2014/main" id="{0BAA61AA-2D0C-5E98-B424-D01A2A907434}"/>
+              </a:ext>
+            </a:extLst>
+          </p:cNvPr>
+          <p:cNvSpPr>
+            <a:spLocks noGrp="1"/>
+          </p:cNvSpPr>
+          <p:nvPr>
+            <p:ph type="title"/>
+          </p:nvPr>
+        </p:nvSpPr>
+        <p:spPr>
+          <a:xfrm>
+            <a:off x="0" y="2582289"/>
+            <a:ext cx="4957970" cy="1324693"/>
+          </a:xfrm>
+        </p:spPr>
+        <p:txBody>
+          <a:bodyPr vert="horz" lIns="91440" tIns="45720" rIns="91440" bIns="45720" rtlCol="0" anchor="ctr">
+            <a:noAutofit/>
+          </a:bodyPr>
+          <a:lstStyle/>
+          <a:p>
+            <a:pPr algn="ctr"/>
+            <a:r>
+              <a:rPr lang="pt-BR" altLang="zh-TW" sz="5400" b="1" kern="100" dirty="0">
+                <a:latin typeface="標楷體" panose="03000509000000000000" pitchFamily="65" charset="-120"/>
+                <a:ea typeface="標楷體" panose="03000509000000000000" pitchFamily="65" charset="-120"/>
+                <a:cs typeface="Times New Roman" panose="02020603050405020304" pitchFamily="18" charset="0"/>
+              </a:rPr>
+              <a:t>Self introduction</a:t>
+            </a:r>
+            <a:endParaRPr lang="en-US" altLang="zh-TW" sz="5400" b="1" kern="100" dirty="0">
+              <a:latin typeface="標楷體" panose="03000509000000000000" pitchFamily="65" charset="-120"/>
+              <a:ea typeface="標楷體" panose="03000509000000000000" pitchFamily="65" charset="-120"/>
+              <a:cs typeface="Times New Roman" panose="02020603050405020304" pitchFamily="18" charset="0"/>
+            </a:endParaRPr>
+          </a:p>
+        </p:txBody>
+      </p:sp>
+      <p:sp>
+        <p:nvSpPr>
+          <p:cNvPr id="3" name="文字版面配置區 2">
+            <a:extLst>
+              <a:ext uri="{FF2B5EF4-FFF2-40B4-BE49-F238E27FC236}">
+                <a16:creationId xmlns:a16="http://schemas.microsoft.com/office/drawing/2014/main" id="{0D449EE2-91CE-23F0-BFE6-98A003050F5A}"/>
+              </a:ext>
+            </a:extLst>
+          </p:cNvPr>
+          <p:cNvSpPr>
+            <a:spLocks noGrp="1"/>
+          </p:cNvSpPr>
+          <p:nvPr>
+            <p:ph type="body" idx="1"/>
+          </p:nvPr>
+        </p:nvSpPr>
+        <p:spPr>
+          <a:xfrm>
+            <a:off x="4447308" y="0"/>
+            <a:ext cx="7744692" cy="3808429"/>
+          </a:xfrm>
+        </p:spPr>
+        <p:txBody>
+          <a:bodyPr vert="horz" lIns="91440" tIns="45720" rIns="91440" bIns="45720" rtlCol="0" anchor="ctr">
+            <a:normAutofit/>
+          </a:bodyPr>
+          <a:lstStyle/>
+          <a:p>
+            <a:pPr algn="ctr"/>
+            <a:r>
+              <a:rPr lang="en-US" altLang="zh-TW" sz="3200" b="1" kern="100" dirty="0">
+                <a:solidFill>
+                  <a:schemeClr val="accent6"/>
+                </a:solidFill>
+                <a:latin typeface="Times New Roman" panose="02020603050405020304" pitchFamily="18" charset="0"/>
+                <a:ea typeface="標楷體" panose="03000509000000000000" pitchFamily="65" charset="-120"/>
+                <a:cs typeface="Times New Roman" panose="02020603050405020304" pitchFamily="18" charset="0"/>
+              </a:rPr>
+              <a:t>Data analyst | Security Data Analyst</a:t>
+            </a:r>
+          </a:p>
+          <a:p>
+            <a:pPr marL="457200"/>
+            <a:r>
+              <a:rPr lang="en-US" altLang="zh-TW" sz="2400" kern="100" dirty="0">
+                <a:solidFill>
+                  <a:srgbClr val="444440"/>
+                </a:solidFill>
+                <a:effectLst/>
+                <a:latin typeface="Times New Roman" panose="02020603050405020304" pitchFamily="18" charset="0"/>
+                <a:ea typeface="新細明體" panose="02020500000000000000" pitchFamily="18" charset="-120"/>
+                <a:cs typeface="Times New Roman" panose="02020603050405020304" pitchFamily="18" charset="0"/>
+              </a:rPr>
+              <a:t>Capable in data analytics. Familiar with SQL, Python, and Tableau for transforming data into simple graphs. Developing skills in cybersecurity analysis to ensure data integrity and protection against basic threats for informed decision-making.</a:t>
+            </a:r>
+            <a:endParaRPr lang="en-US" altLang="zh-TW" sz="3200" b="1" kern="100" dirty="0">
+              <a:solidFill>
+                <a:schemeClr val="accent6"/>
+              </a:solidFill>
+              <a:latin typeface="Times New Roman" panose="02020603050405020304" pitchFamily="18" charset="0"/>
+              <a:ea typeface="標楷體" panose="03000509000000000000" pitchFamily="65" charset="-120"/>
+              <a:cs typeface="Times New Roman" panose="02020603050405020304" pitchFamily="18" charset="0"/>
+            </a:endParaRPr>
+          </a:p>
+          <a:p>
+            <a:pPr algn="ctr"/>
+            <a:r>
+              <a:rPr lang="pt-BR" altLang="zh-TW" sz="3200" b="1" kern="100" dirty="0">
+                <a:solidFill>
+                  <a:schemeClr val="accent6"/>
+                </a:solidFill>
+                <a:latin typeface="Times New Roman" panose="02020603050405020304" pitchFamily="18" charset="0"/>
+                <a:ea typeface="標楷體" panose="03000509000000000000" pitchFamily="65" charset="-120"/>
+                <a:cs typeface="Times New Roman" panose="02020603050405020304" pitchFamily="18" charset="0"/>
+              </a:rPr>
+              <a:t>Skills</a:t>
+            </a:r>
+            <a:endParaRPr lang="en-US" altLang="zh-TW" sz="3200" b="1" kern="100" dirty="0">
+              <a:solidFill>
+                <a:schemeClr val="accent6"/>
+              </a:solidFill>
+              <a:latin typeface="Times New Roman" panose="02020603050405020304" pitchFamily="18" charset="0"/>
+              <a:ea typeface="標楷體" panose="03000509000000000000" pitchFamily="65" charset="-120"/>
+              <a:cs typeface="Times New Roman" panose="02020603050405020304" pitchFamily="18" charset="0"/>
+            </a:endParaRPr>
+          </a:p>
+          <a:p>
+            <a:endParaRPr lang="en-US" altLang="zh-TW" kern="100" dirty="0">
+              <a:latin typeface="Times New Roman" panose="02020603050405020304" pitchFamily="18" charset="0"/>
+              <a:ea typeface="標楷體" panose="03000509000000000000" pitchFamily="65" charset="-120"/>
+              <a:cs typeface="Times New Roman" panose="02020603050405020304" pitchFamily="18" charset="0"/>
+            </a:endParaRPr>
+          </a:p>
+        </p:txBody>
+      </p:sp>
+      <p:sp>
+        <p:nvSpPr>
+          <p:cNvPr id="5" name="文字方塊 4">
+            <a:extLst>
+              <a:ext uri="{FF2B5EF4-FFF2-40B4-BE49-F238E27FC236}">
+                <a16:creationId xmlns:a16="http://schemas.microsoft.com/office/drawing/2014/main" id="{0E2098E6-0F6D-EDCC-9F2E-9D82E5B8D315}"/>
+              </a:ext>
+            </a:extLst>
+          </p:cNvPr>
+          <p:cNvSpPr txBox="1"/>
+          <p:nvPr/>
+        </p:nvSpPr>
+        <p:spPr>
+          <a:xfrm>
+            <a:off x="8957492" y="2922451"/>
+            <a:ext cx="2785620" cy="2571986"/>
+          </a:xfrm>
+          <a:prstGeom prst="rect">
+            <a:avLst/>
+          </a:prstGeom>
+          <a:noFill/>
+        </p:spPr>
+        <p:txBody>
+          <a:bodyPr wrap="square">
+            <a:spAutoFit/>
+          </a:bodyPr>
+          <a:lstStyle/>
+          <a:p>
+            <a:pPr marL="342900" indent="-342900">
+              <a:lnSpc>
+                <a:spcPct val="150000"/>
+              </a:lnSpc>
+              <a:buFont typeface="Arial" panose="020B0604020202020204" pitchFamily="34" charset="0"/>
+              <a:buChar char="•"/>
+            </a:pPr>
+            <a:r>
+              <a:rPr lang="en-US" altLang="zh-TW" sz="2200" kern="100" dirty="0">
+                <a:latin typeface="Times New Roman" panose="02020603050405020304" pitchFamily="18" charset="0"/>
+                <a:ea typeface="標楷體" panose="03000509000000000000" pitchFamily="65" charset="-120"/>
+                <a:cs typeface="Times New Roman" panose="02020603050405020304" pitchFamily="18" charset="0"/>
+              </a:rPr>
+              <a:t>Splunk </a:t>
+            </a:r>
+          </a:p>
+          <a:p>
+            <a:pPr marL="342900" indent="-342900">
+              <a:lnSpc>
+                <a:spcPct val="150000"/>
+              </a:lnSpc>
+              <a:buFont typeface="Arial" panose="020B0604020202020204" pitchFamily="34" charset="0"/>
+              <a:buChar char="•"/>
+            </a:pPr>
+            <a:r>
+              <a:rPr lang="en-US" altLang="zh-TW" sz="2200" kern="100" dirty="0">
+                <a:latin typeface="Times New Roman" panose="02020603050405020304" pitchFamily="18" charset="0"/>
+                <a:ea typeface="標楷體" panose="03000509000000000000" pitchFamily="65" charset="-120"/>
+                <a:cs typeface="Times New Roman" panose="02020603050405020304" pitchFamily="18" charset="0"/>
+              </a:rPr>
+              <a:t>Splunk Phantom</a:t>
+            </a:r>
+          </a:p>
+          <a:p>
+            <a:pPr marL="342900" indent="-342900">
+              <a:lnSpc>
+                <a:spcPct val="150000"/>
+              </a:lnSpc>
+              <a:buFont typeface="Arial" panose="020B0604020202020204" pitchFamily="34" charset="0"/>
+              <a:buChar char="•"/>
+            </a:pPr>
+            <a:r>
+              <a:rPr lang="en-US" altLang="zh-TW" sz="2200" kern="100" dirty="0">
+                <a:latin typeface="Times New Roman" panose="02020603050405020304" pitchFamily="18" charset="0"/>
+                <a:ea typeface="標楷體" panose="03000509000000000000" pitchFamily="65" charset="-120"/>
+                <a:cs typeface="Times New Roman" panose="02020603050405020304" pitchFamily="18" charset="0"/>
+              </a:rPr>
+              <a:t>Wireshark</a:t>
+            </a:r>
+          </a:p>
+          <a:p>
+            <a:pPr marL="342900" indent="-342900">
+              <a:lnSpc>
+                <a:spcPct val="150000"/>
+              </a:lnSpc>
+              <a:buFont typeface="Arial" panose="020B0604020202020204" pitchFamily="34" charset="0"/>
+              <a:buChar char="•"/>
+            </a:pPr>
+            <a:r>
+              <a:rPr lang="en-US" altLang="zh-TW" sz="2200" kern="100" dirty="0">
+                <a:latin typeface="Times New Roman" panose="02020603050405020304" pitchFamily="18" charset="0"/>
+                <a:ea typeface="標楷體" panose="03000509000000000000" pitchFamily="65" charset="-120"/>
+                <a:cs typeface="Times New Roman" panose="02020603050405020304" pitchFamily="18" charset="0"/>
+              </a:rPr>
+              <a:t>Tenable Nessus</a:t>
+            </a:r>
+          </a:p>
+          <a:p>
+            <a:pPr marL="342900" indent="-342900">
+              <a:lnSpc>
+                <a:spcPct val="150000"/>
+              </a:lnSpc>
+              <a:buFont typeface="Arial" panose="020B0604020202020204" pitchFamily="34" charset="0"/>
+              <a:buChar char="•"/>
+            </a:pPr>
+            <a:r>
+              <a:rPr lang="en-US" altLang="zh-TW" sz="2200" kern="100" dirty="0">
+                <a:latin typeface="Times New Roman" panose="02020603050405020304" pitchFamily="18" charset="0"/>
+                <a:ea typeface="標楷體" panose="03000509000000000000" pitchFamily="65" charset="-120"/>
+                <a:cs typeface="Times New Roman" panose="02020603050405020304" pitchFamily="18" charset="0"/>
+              </a:rPr>
+              <a:t>Autopsy</a:t>
+            </a:r>
+          </a:p>
+        </p:txBody>
+      </p:sp>
+      <p:sp>
+        <p:nvSpPr>
+          <p:cNvPr id="7" name="文字方塊 6">
+            <a:extLst>
+              <a:ext uri="{FF2B5EF4-FFF2-40B4-BE49-F238E27FC236}">
+                <a16:creationId xmlns:a16="http://schemas.microsoft.com/office/drawing/2014/main" id="{E454B551-403B-269E-BAD1-4ACFEE14036C}"/>
+              </a:ext>
+            </a:extLst>
+          </p:cNvPr>
+          <p:cNvSpPr txBox="1"/>
+          <p:nvPr/>
+        </p:nvSpPr>
+        <p:spPr>
+          <a:xfrm>
+            <a:off x="5406858" y="2923733"/>
+            <a:ext cx="2591085" cy="2570704"/>
+          </a:xfrm>
+          <a:prstGeom prst="rect">
+            <a:avLst/>
+          </a:prstGeom>
+          <a:noFill/>
+        </p:spPr>
+        <p:txBody>
+          <a:bodyPr wrap="square">
+            <a:spAutoFit/>
+          </a:bodyPr>
+          <a:lstStyle/>
+          <a:p>
+            <a:pPr>
+              <a:lnSpc>
+                <a:spcPct val="150000"/>
+              </a:lnSpc>
+              <a:buFont typeface="Arial" panose="020B0604020202020204" pitchFamily="34" charset="0"/>
+              <a:buChar char="•"/>
+            </a:pPr>
+            <a:r>
+              <a:rPr lang="en-US" altLang="zh-TW" sz="2200" b="0" i="0" dirty="0">
+                <a:solidFill>
+                  <a:srgbClr val="444440"/>
+                </a:solidFill>
+                <a:effectLst/>
+                <a:latin typeface="Times New Roman" panose="02020603050405020304" pitchFamily="18" charset="0"/>
+                <a:ea typeface="標楷體" panose="03000509000000000000" pitchFamily="65" charset="-120"/>
+                <a:cs typeface="Times New Roman" panose="02020603050405020304" pitchFamily="18" charset="0"/>
+              </a:rPr>
+              <a:t>Python</a:t>
+            </a:r>
+            <a:endParaRPr lang="en-US" altLang="zh-TW" sz="2200" dirty="0">
+              <a:latin typeface="Times New Roman" panose="02020603050405020304" pitchFamily="18" charset="0"/>
+              <a:ea typeface="標楷體" panose="03000509000000000000" pitchFamily="65" charset="-120"/>
+              <a:cs typeface="Times New Roman" panose="02020603050405020304" pitchFamily="18" charset="0"/>
+            </a:endParaRPr>
+          </a:p>
+          <a:p>
+            <a:pPr>
+              <a:lnSpc>
+                <a:spcPct val="150000"/>
+              </a:lnSpc>
+              <a:buFont typeface="Arial" panose="020B0604020202020204" pitchFamily="34" charset="0"/>
+              <a:buChar char="•"/>
+            </a:pPr>
+            <a:r>
+              <a:rPr lang="en-US" altLang="zh-TW" sz="2200" b="0" i="0" dirty="0">
+                <a:solidFill>
+                  <a:srgbClr val="444440"/>
+                </a:solidFill>
+                <a:effectLst/>
+                <a:latin typeface="Times New Roman" panose="02020603050405020304" pitchFamily="18" charset="0"/>
+                <a:ea typeface="標楷體" panose="03000509000000000000" pitchFamily="65" charset="-120"/>
+                <a:cs typeface="Times New Roman" panose="02020603050405020304" pitchFamily="18" charset="0"/>
+              </a:rPr>
+              <a:t>SQL</a:t>
+            </a:r>
+            <a:endParaRPr lang="en-US" altLang="zh-TW" sz="2200" dirty="0">
+              <a:latin typeface="Times New Roman" panose="02020603050405020304" pitchFamily="18" charset="0"/>
+              <a:ea typeface="標楷體" panose="03000509000000000000" pitchFamily="65" charset="-120"/>
+              <a:cs typeface="Times New Roman" panose="02020603050405020304" pitchFamily="18" charset="0"/>
+            </a:endParaRPr>
+          </a:p>
+          <a:p>
+            <a:pPr>
+              <a:lnSpc>
+                <a:spcPct val="150000"/>
+              </a:lnSpc>
+              <a:buFont typeface="Arial" panose="020B0604020202020204" pitchFamily="34" charset="0"/>
+              <a:buChar char="•"/>
+            </a:pPr>
+            <a:r>
+              <a:rPr lang="en-US" altLang="zh-TW" sz="2200" b="0" i="0" dirty="0">
+                <a:solidFill>
+                  <a:srgbClr val="444440"/>
+                </a:solidFill>
+                <a:effectLst/>
+                <a:latin typeface="Times New Roman" panose="02020603050405020304" pitchFamily="18" charset="0"/>
+                <a:ea typeface="標楷體" panose="03000509000000000000" pitchFamily="65" charset="-120"/>
+                <a:cs typeface="Times New Roman" panose="02020603050405020304" pitchFamily="18" charset="0"/>
+              </a:rPr>
+              <a:t>Excel</a:t>
+            </a:r>
+            <a:endParaRPr lang="en-US" altLang="zh-TW" sz="2200" dirty="0">
+              <a:latin typeface="Times New Roman" panose="02020603050405020304" pitchFamily="18" charset="0"/>
+              <a:ea typeface="標楷體" panose="03000509000000000000" pitchFamily="65" charset="-120"/>
+              <a:cs typeface="Times New Roman" panose="02020603050405020304" pitchFamily="18" charset="0"/>
+            </a:endParaRPr>
+          </a:p>
+          <a:p>
+            <a:pPr>
+              <a:lnSpc>
+                <a:spcPct val="150000"/>
+              </a:lnSpc>
+              <a:buFont typeface="Arial" panose="020B0604020202020204" pitchFamily="34" charset="0"/>
+              <a:buChar char="•"/>
+            </a:pPr>
+            <a:r>
+              <a:rPr lang="en-US" altLang="zh-TW" sz="2200" b="0" i="0" dirty="0">
+                <a:solidFill>
+                  <a:srgbClr val="444440"/>
+                </a:solidFill>
+                <a:effectLst/>
+                <a:latin typeface="Times New Roman" panose="02020603050405020304" pitchFamily="18" charset="0"/>
+                <a:ea typeface="標楷體" panose="03000509000000000000" pitchFamily="65" charset="-120"/>
+                <a:cs typeface="Times New Roman" panose="02020603050405020304" pitchFamily="18" charset="0"/>
+              </a:rPr>
+              <a:t>Power BI</a:t>
+            </a:r>
+            <a:endParaRPr lang="en-US" altLang="zh-TW" sz="2200" dirty="0">
+              <a:latin typeface="Times New Roman" panose="02020603050405020304" pitchFamily="18" charset="0"/>
+              <a:ea typeface="標楷體" panose="03000509000000000000" pitchFamily="65" charset="-120"/>
+              <a:cs typeface="Times New Roman" panose="02020603050405020304" pitchFamily="18" charset="0"/>
+            </a:endParaRPr>
+          </a:p>
+          <a:p>
+            <a:pPr>
+              <a:lnSpc>
+                <a:spcPct val="150000"/>
+              </a:lnSpc>
+              <a:buFont typeface="Arial" panose="020B0604020202020204" pitchFamily="34" charset="0"/>
+              <a:buChar char="•"/>
+            </a:pPr>
+            <a:r>
+              <a:rPr lang="en-US" altLang="zh-TW" sz="2200" b="0" i="0" dirty="0">
+                <a:solidFill>
+                  <a:srgbClr val="444440"/>
+                </a:solidFill>
+                <a:effectLst/>
+                <a:latin typeface="Times New Roman" panose="02020603050405020304" pitchFamily="18" charset="0"/>
+                <a:ea typeface="標楷體" panose="03000509000000000000" pitchFamily="65" charset="-120"/>
+                <a:cs typeface="Times New Roman" panose="02020603050405020304" pitchFamily="18" charset="0"/>
+              </a:rPr>
+              <a:t>Google Analytics</a:t>
+            </a:r>
+            <a:endParaRPr lang="en-US" altLang="zh-TW" sz="2200" kern="100" dirty="0">
+              <a:latin typeface="Times New Roman" panose="02020603050405020304" pitchFamily="18" charset="0"/>
+              <a:ea typeface="標楷體" panose="03000509000000000000" pitchFamily="65" charset="-120"/>
+              <a:cs typeface="Times New Roman" panose="02020603050405020304" pitchFamily="18" charset="0"/>
+            </a:endParaRPr>
+          </a:p>
+        </p:txBody>
+      </p:sp>
+    </p:spTree>
+    <p:extLst>
+      <p:ext uri="{BB962C8B-B14F-4D97-AF65-F5344CB8AC3E}">
+        <p14:creationId xmlns:p14="http://schemas.microsoft.com/office/powerpoint/2010/main" val="96649830"/>
+      </p:ext>
+    </p:extLst>
+  </p:cSld>
+  <p:clrMapOvr>
+    <a:masterClrMapping/>
+  </p:clrMapOvr>
+</p:sld>
+</file>
+
+<file path=ppt/slides/slide4.xml><?xml version="1.0" encoding="utf-8"?>
+<p:sld xmlns:a="http://schemas.openxmlformats.org/drawingml/2006/main" xmlns:r="http://schemas.openxmlformats.org/officeDocument/2006/relationships" xmlns:p="http://schemas.openxmlformats.org/presentationml/2006/main">
+  <p:cSld>
+    <p:spTree>
+      <p:nvGrpSpPr>
+        <p:cNvPr id="1" name=""/>
+        <p:cNvGrpSpPr/>
+        <p:nvPr/>
+      </p:nvGrpSpPr>
+      <p:grpSpPr>
+        <a:xfrm>
+          <a:off x="0" y="0"/>
+          <a:ext cx="0" cy="0"/>
+          <a:chOff x="0" y="0"/>
+          <a:chExt cx="0" cy="0"/>
+        </a:xfrm>
+      </p:grpSpPr>
+      <p:sp>
+        <p:nvSpPr>
+          <p:cNvPr id="2" name="標題 1">
+            <a:extLst>
+              <a:ext uri="{FF2B5EF4-FFF2-40B4-BE49-F238E27FC236}">
+                <a16:creationId xmlns:a16="http://schemas.microsoft.com/office/drawing/2014/main" id="{0BAA61AA-2D0C-5E98-B424-D01A2A907434}"/>
+              </a:ext>
+            </a:extLst>
+          </p:cNvPr>
+          <p:cNvSpPr>
+            <a:spLocks noGrp="1"/>
+          </p:cNvSpPr>
+          <p:nvPr>
+            <p:ph type="title"/>
+          </p:nvPr>
+        </p:nvSpPr>
+        <p:spPr>
+          <a:xfrm>
+            <a:off x="0" y="2407921"/>
+            <a:ext cx="4447308" cy="1499062"/>
+          </a:xfrm>
+        </p:spPr>
+        <p:txBody>
+          <a:bodyPr vert="horz" lIns="91440" tIns="45720" rIns="91440" bIns="45720" rtlCol="0" anchor="ctr">
+            <a:noAutofit/>
+          </a:bodyPr>
+          <a:lstStyle/>
+          <a:p>
+            <a:pPr algn="ctr"/>
+            <a:r>
+              <a:rPr lang="pt-BR" altLang="zh-TW" sz="5400" b="1" kern="100" dirty="0">
+                <a:latin typeface="標楷體" panose="03000509000000000000" pitchFamily="65" charset="-120"/>
+                <a:ea typeface="標楷體" panose="03000509000000000000" pitchFamily="65" charset="-120"/>
+                <a:cs typeface="Times New Roman" panose="02020603050405020304" pitchFamily="18" charset="0"/>
+              </a:rPr>
+              <a:t>Self introduction</a:t>
+            </a:r>
+            <a:endParaRPr lang="en-US" altLang="zh-TW" sz="5400" kern="100" dirty="0">
+              <a:latin typeface="標楷體" panose="03000509000000000000" pitchFamily="65" charset="-120"/>
+              <a:ea typeface="標楷體" panose="03000509000000000000" pitchFamily="65" charset="-120"/>
+              <a:cs typeface="Times New Roman" panose="02020603050405020304" pitchFamily="18" charset="0"/>
+            </a:endParaRPr>
+          </a:p>
+        </p:txBody>
+      </p:sp>
+      <p:sp>
+        <p:nvSpPr>
+          <p:cNvPr id="3" name="文字版面配置區 2">
+            <a:extLst>
+              <a:ext uri="{FF2B5EF4-FFF2-40B4-BE49-F238E27FC236}">
+                <a16:creationId xmlns:a16="http://schemas.microsoft.com/office/drawing/2014/main" id="{0D449EE2-91CE-23F0-BFE6-98A003050F5A}"/>
+              </a:ext>
+            </a:extLst>
+          </p:cNvPr>
+          <p:cNvSpPr>
+            <a:spLocks noGrp="1"/>
+          </p:cNvSpPr>
+          <p:nvPr>
+            <p:ph type="body" idx="1"/>
+          </p:nvPr>
+        </p:nvSpPr>
+        <p:spPr>
+          <a:xfrm>
+            <a:off x="4447308" y="0"/>
+            <a:ext cx="7744692" cy="6858000"/>
+          </a:xfrm>
+        </p:spPr>
+        <p:txBody>
+          <a:bodyPr vert="horz" lIns="91440" tIns="45720" rIns="91440" bIns="45720" rtlCol="0" anchor="ctr">
+            <a:normAutofit/>
+          </a:bodyPr>
+          <a:lstStyle/>
+          <a:p>
+            <a:pPr algn="ctr"/>
+            <a:r>
+              <a:rPr lang="en-US" altLang="zh-TW" sz="4800">
+                <a:solidFill>
+                  <a:schemeClr val="accent6"/>
+                </a:solidFill>
+                <a:latin typeface="標楷體" panose="03000509000000000000" pitchFamily="65" charset="-120"/>
+                <a:ea typeface="標楷體" panose="03000509000000000000" pitchFamily="65" charset="-120"/>
+              </a:rPr>
+              <a:t>Education</a:t>
+            </a:r>
+            <a:endParaRPr lang="en-US" altLang="zh-TW" sz="3200" dirty="0">
+              <a:latin typeface="標楷體" panose="03000509000000000000" pitchFamily="65" charset="-120"/>
+              <a:ea typeface="標楷體" panose="03000509000000000000" pitchFamily="65" charset="-120"/>
+            </a:endParaRPr>
+          </a:p>
+          <a:p>
+            <a:pPr marL="342900" lvl="0" indent="-342900">
+              <a:buFont typeface="Arial" panose="020B0604020202020204" pitchFamily="34" charset="0"/>
+              <a:buChar char="•"/>
+              <a:tabLst>
+                <a:tab pos="457200" algn="l"/>
+              </a:tabLst>
+            </a:pPr>
+            <a:r>
+              <a:rPr lang="en-US" altLang="zh-TW" sz="2400" kern="100" dirty="0">
+                <a:effectLst/>
+                <a:latin typeface="Times New Roman" panose="02020603050405020304" pitchFamily="18" charset="0"/>
+                <a:ea typeface="新細明體" panose="02020500000000000000" pitchFamily="18" charset="-120"/>
+                <a:cs typeface="Times New Roman" panose="02020603050405020304" pitchFamily="18" charset="0"/>
+              </a:rPr>
+              <a:t>Cisco Certified Support Technician (CCST) Cybersecurity</a:t>
+            </a:r>
+            <a:endParaRPr lang="zh-TW" altLang="zh-TW" sz="2400" kern="100" dirty="0">
+              <a:effectLst/>
+              <a:latin typeface="Times New Roman" panose="02020603050405020304" pitchFamily="18" charset="0"/>
+              <a:ea typeface="新細明體" panose="02020500000000000000" pitchFamily="18" charset="-120"/>
+              <a:cs typeface="Times New Roman" panose="02020603050405020304" pitchFamily="18" charset="0"/>
+            </a:endParaRPr>
+          </a:p>
+          <a:p>
+            <a:pPr marL="342900" lvl="0" indent="-342900">
+              <a:buFont typeface="Arial" panose="020B0604020202020204" pitchFamily="34" charset="0"/>
+              <a:buChar char="•"/>
+              <a:tabLst>
+                <a:tab pos="457200" algn="l"/>
+              </a:tabLst>
+            </a:pPr>
+            <a:r>
+              <a:rPr lang="en-US" altLang="zh-TW" sz="2400" kern="100" dirty="0">
+                <a:effectLst/>
+                <a:latin typeface="Times New Roman" panose="02020603050405020304" pitchFamily="18" charset="0"/>
+                <a:ea typeface="新細明體" panose="02020500000000000000" pitchFamily="18" charset="-120"/>
+                <a:cs typeface="Times New Roman" panose="02020603050405020304" pitchFamily="18" charset="0"/>
+              </a:rPr>
+              <a:t>Pearson VUE Information Technology Specialist</a:t>
+            </a:r>
+            <a:endParaRPr lang="zh-TW" altLang="zh-TW" sz="2400" kern="100" dirty="0">
+              <a:effectLst/>
+              <a:latin typeface="Times New Roman" panose="02020603050405020304" pitchFamily="18" charset="0"/>
+              <a:ea typeface="新細明體" panose="02020500000000000000" pitchFamily="18" charset="-120"/>
+              <a:cs typeface="Times New Roman" panose="02020603050405020304" pitchFamily="18" charset="0"/>
+            </a:endParaRPr>
+          </a:p>
+          <a:p>
+            <a:pPr marL="342900" lvl="0" indent="-342900">
+              <a:buFont typeface="Arial" panose="020B0604020202020204" pitchFamily="34" charset="0"/>
+              <a:buChar char="•"/>
+              <a:tabLst>
+                <a:tab pos="457200" algn="l"/>
+              </a:tabLst>
+            </a:pPr>
+            <a:r>
+              <a:rPr lang="en-US" altLang="zh-TW" sz="2400" kern="100" dirty="0">
+                <a:effectLst/>
+                <a:latin typeface="Times New Roman" panose="02020603050405020304" pitchFamily="18" charset="0"/>
+                <a:ea typeface="新細明體" panose="02020500000000000000" pitchFamily="18" charset="-120"/>
+                <a:cs typeface="Times New Roman" panose="02020603050405020304" pitchFamily="18" charset="0"/>
+              </a:rPr>
+              <a:t>Google Advanced Data Analytics Professional Certificate</a:t>
+            </a:r>
+            <a:endParaRPr lang="zh-TW" altLang="zh-TW" sz="2400" kern="100" dirty="0">
+              <a:effectLst/>
+              <a:latin typeface="Times New Roman" panose="02020603050405020304" pitchFamily="18" charset="0"/>
+              <a:ea typeface="新細明體" panose="02020500000000000000" pitchFamily="18" charset="-120"/>
+              <a:cs typeface="Times New Roman" panose="02020603050405020304" pitchFamily="18" charset="0"/>
+            </a:endParaRPr>
+          </a:p>
+          <a:p>
+            <a:pPr marL="342900" lvl="0" indent="-342900">
+              <a:buFont typeface="Arial" panose="020B0604020202020204" pitchFamily="34" charset="0"/>
+              <a:buChar char="•"/>
+              <a:tabLst>
+                <a:tab pos="457200" algn="l"/>
+              </a:tabLst>
+            </a:pPr>
+            <a:r>
+              <a:rPr lang="pt-BR" altLang="zh-TW" sz="2400" kern="100" dirty="0">
+                <a:effectLst/>
+                <a:latin typeface="Times New Roman" panose="02020603050405020304" pitchFamily="18" charset="0"/>
+                <a:ea typeface="新細明體" panose="02020500000000000000" pitchFamily="18" charset="-120"/>
+                <a:cs typeface="Times New Roman" panose="02020603050405020304" pitchFamily="18" charset="0"/>
+              </a:rPr>
+              <a:t>Google Cybersecurity Professional Certificate</a:t>
+            </a:r>
+            <a:endParaRPr lang="zh-TW" altLang="zh-TW" sz="2400" kern="100" dirty="0">
+              <a:effectLst/>
+              <a:latin typeface="Times New Roman" panose="02020603050405020304" pitchFamily="18" charset="0"/>
+              <a:ea typeface="新細明體" panose="02020500000000000000" pitchFamily="18" charset="-120"/>
+              <a:cs typeface="Times New Roman" panose="02020603050405020304" pitchFamily="18" charset="0"/>
+            </a:endParaRPr>
+          </a:p>
+          <a:p>
+            <a:pPr marL="342900" lvl="0" indent="-342900">
+              <a:buFont typeface="Arial" panose="020B0604020202020204" pitchFamily="34" charset="0"/>
+              <a:buChar char="•"/>
+              <a:tabLst>
+                <a:tab pos="457200" algn="l"/>
+              </a:tabLst>
+            </a:pPr>
+            <a:r>
+              <a:rPr lang="en-US" altLang="zh-TW" sz="2400" kern="100" dirty="0">
+                <a:effectLst/>
+                <a:latin typeface="Times New Roman" panose="02020603050405020304" pitchFamily="18" charset="0"/>
+                <a:ea typeface="新細明體" panose="02020500000000000000" pitchFamily="18" charset="-120"/>
+                <a:cs typeface="Times New Roman" panose="02020603050405020304" pitchFamily="18" charset="0"/>
+              </a:rPr>
+              <a:t>IBM Data Analytics with Excel and R Professional Certificate</a:t>
+            </a:r>
+            <a:endParaRPr lang="zh-TW" altLang="zh-TW" sz="2400" kern="100" dirty="0">
+              <a:effectLst/>
+              <a:latin typeface="Times New Roman" panose="02020603050405020304" pitchFamily="18" charset="0"/>
+              <a:ea typeface="新細明體" panose="02020500000000000000" pitchFamily="18" charset="-120"/>
+              <a:cs typeface="Times New Roman" panose="02020603050405020304" pitchFamily="18" charset="0"/>
+            </a:endParaRPr>
+          </a:p>
+          <a:p>
+            <a:pPr marL="342900" lvl="0" indent="-342900">
+              <a:buFont typeface="Arial" panose="020B0604020202020204" pitchFamily="34" charset="0"/>
+              <a:buChar char="•"/>
+              <a:tabLst>
+                <a:tab pos="457200" algn="l"/>
+              </a:tabLst>
+            </a:pPr>
+            <a:r>
+              <a:rPr lang="en-US" altLang="zh-TW" sz="2400" kern="100" dirty="0">
+                <a:effectLst/>
+                <a:latin typeface="Times New Roman" panose="02020603050405020304" pitchFamily="18" charset="0"/>
+                <a:ea typeface="新細明體" panose="02020500000000000000" pitchFamily="18" charset="-120"/>
+                <a:cs typeface="Times New Roman" panose="02020603050405020304" pitchFamily="18" charset="0"/>
+              </a:rPr>
+              <a:t>Google Analytics </a:t>
+            </a:r>
+            <a:r>
+              <a:rPr lang="en-US" altLang="zh-TW" sz="2400" kern="100" dirty="0" err="1">
+                <a:effectLst/>
+                <a:latin typeface="Times New Roman" panose="02020603050405020304" pitchFamily="18" charset="0"/>
+                <a:ea typeface="新細明體" panose="02020500000000000000" pitchFamily="18" charset="-120"/>
+                <a:cs typeface="Times New Roman" panose="02020603050405020304" pitchFamily="18" charset="0"/>
+              </a:rPr>
+              <a:t>Certi</a:t>
+            </a:r>
+            <a:r>
+              <a:rPr lang="en-US" altLang="zh-TW" sz="2400" kern="100" dirty="0">
+                <a:effectLst/>
+                <a:latin typeface="Times New Roman" panose="02020603050405020304" pitchFamily="18" charset="0"/>
+                <a:ea typeface="Calibri" panose="020F0502020204030204" pitchFamily="34" charset="0"/>
+                <a:cs typeface="Times New Roman" panose="02020603050405020304" pitchFamily="18" charset="0"/>
+              </a:rPr>
+              <a:t>􀀁</a:t>
+            </a:r>
+            <a:r>
+              <a:rPr lang="en-US" altLang="zh-TW" sz="2400" kern="100" dirty="0">
+                <a:effectLst/>
+                <a:latin typeface="Times New Roman" panose="02020603050405020304" pitchFamily="18" charset="0"/>
+                <a:ea typeface="新細明體" panose="02020500000000000000" pitchFamily="18" charset="-120"/>
+                <a:cs typeface="Times New Roman" panose="02020603050405020304" pitchFamily="18" charset="0"/>
+              </a:rPr>
+              <a:t>cation</a:t>
+            </a:r>
+            <a:endParaRPr lang="zh-TW" altLang="zh-TW" sz="2400" kern="100" dirty="0">
+              <a:effectLst/>
+              <a:latin typeface="Times New Roman" panose="02020603050405020304" pitchFamily="18" charset="0"/>
+              <a:ea typeface="新細明體" panose="02020500000000000000" pitchFamily="18" charset="-120"/>
+              <a:cs typeface="Times New Roman" panose="02020603050405020304" pitchFamily="18" charset="0"/>
+            </a:endParaRPr>
+          </a:p>
+        </p:txBody>
+      </p:sp>
+    </p:spTree>
+    <p:extLst>
+      <p:ext uri="{BB962C8B-B14F-4D97-AF65-F5344CB8AC3E}">
+        <p14:creationId xmlns:p14="http://schemas.microsoft.com/office/powerpoint/2010/main" val="2392853181"/>
+      </p:ext>
+    </p:extLst>
+  </p:cSld>
+  <p:clrMapOvr>
+    <a:masterClrMapping/>
+  </p:clrMapOvr>
+</p:sld>
+</file>
+
+<file path=ppt/slides/slide5.xml><?xml version="1.0" encoding="utf-8"?>
 <p:sld xmlns:a="http://schemas.openxmlformats.org/drawingml/2006/main" xmlns:r="http://schemas.openxmlformats.org/officeDocument/2006/relationships" xmlns:p="http://schemas.openxmlformats.org/presentationml/2006/main">
   <p:cSld>
     <p:spTree>
@@ -11898,7 +13364,7 @@
 </p:sld>
 </file>
 
-<file path=ppt/slides/slide4.xml><?xml version="1.0" encoding="utf-8"?>
+<file path=ppt/slides/slide6.xml><?xml version="1.0" encoding="utf-8"?>
 <p:sld xmlns:a="http://schemas.openxmlformats.org/drawingml/2006/main" xmlns:r="http://schemas.openxmlformats.org/officeDocument/2006/relationships" xmlns:p="http://schemas.openxmlformats.org/presentationml/2006/main">
   <p:cSld>
     <p:spTree>
@@ -12066,7 +13532,7 @@
 </p:sld>
 </file>
 
-<file path=ppt/slides/slide5.xml><?xml version="1.0" encoding="utf-8"?>
+<file path=ppt/slides/slide7.xml><?xml version="1.0" encoding="utf-8"?>
 <p:sld xmlns:a="http://schemas.openxmlformats.org/drawingml/2006/main" xmlns:r="http://schemas.openxmlformats.org/officeDocument/2006/relationships" xmlns:p="http://schemas.openxmlformats.org/presentationml/2006/main">
   <p:cSld>
     <p:spTree>
@@ -12267,7 +13733,281 @@
 </p:sld>
 </file>
 
-<file path=ppt/slides/slide6.xml><?xml version="1.0" encoding="utf-8"?>
+<file path=ppt/slides/slide8.xml><?xml version="1.0" encoding="utf-8"?>
+<p:sld xmlns:a="http://schemas.openxmlformats.org/drawingml/2006/main" xmlns:r="http://schemas.openxmlformats.org/officeDocument/2006/relationships" xmlns:p="http://schemas.openxmlformats.org/presentationml/2006/main">
+  <p:cSld>
+    <p:spTree>
+      <p:nvGrpSpPr>
+        <p:cNvPr id="1" name=""/>
+        <p:cNvGrpSpPr/>
+        <p:nvPr/>
+      </p:nvGrpSpPr>
+      <p:grpSpPr>
+        <a:xfrm>
+          <a:off x="0" y="0"/>
+          <a:ext cx="0" cy="0"/>
+          <a:chOff x="0" y="0"/>
+          <a:chExt cx="0" cy="0"/>
+        </a:xfrm>
+      </p:grpSpPr>
+      <p:sp>
+        <p:nvSpPr>
+          <p:cNvPr id="2" name="標題 1">
+            <a:extLst>
+              <a:ext uri="{FF2B5EF4-FFF2-40B4-BE49-F238E27FC236}">
+                <a16:creationId xmlns:a16="http://schemas.microsoft.com/office/drawing/2014/main" id="{10A4CA38-DE4C-1F0B-E3BA-C8A05A720C6E}"/>
+              </a:ext>
+            </a:extLst>
+          </p:cNvPr>
+          <p:cNvSpPr>
+            <a:spLocks noGrp="1"/>
+          </p:cNvSpPr>
+          <p:nvPr>
+            <p:ph type="title"/>
+          </p:nvPr>
+        </p:nvSpPr>
+        <p:spPr>
+          <a:xfrm>
+            <a:off x="665018" y="2753772"/>
+            <a:ext cx="3308466" cy="1186461"/>
+          </a:xfrm>
+        </p:spPr>
+        <p:txBody>
+          <a:bodyPr vert="horz" lIns="91440" tIns="45720" rIns="91440" bIns="45720" rtlCol="0" anchor="ctr">
+            <a:normAutofit/>
+          </a:bodyPr>
+          <a:lstStyle/>
+          <a:p>
+            <a:pPr algn="ctr"/>
+            <a:r>
+              <a:rPr lang="zh-TW" altLang="en-US" sz="5400" dirty="0">
+                <a:latin typeface="標楷體" panose="03000509000000000000" pitchFamily="65" charset="-120"/>
+                <a:ea typeface="標楷體" panose="03000509000000000000" pitchFamily="65" charset="-120"/>
+                <a:cs typeface="Times New Roman" panose="02020603050405020304" pitchFamily="18" charset="0"/>
+              </a:rPr>
+              <a:t>準備</a:t>
+            </a:r>
+            <a:endParaRPr lang="en-US" altLang="zh-TW" sz="3600" kern="1200" dirty="0">
+              <a:latin typeface="標楷體" panose="03000509000000000000" pitchFamily="65" charset="-120"/>
+              <a:ea typeface="標楷體" panose="03000509000000000000" pitchFamily="65" charset="-120"/>
+              <a:cs typeface="Times New Roman" panose="02020603050405020304" pitchFamily="18" charset="0"/>
+            </a:endParaRPr>
+          </a:p>
+        </p:txBody>
+      </p:sp>
+      <p:sp>
+        <p:nvSpPr>
+          <p:cNvPr id="3" name="文字版面配置區 2">
+            <a:extLst>
+              <a:ext uri="{FF2B5EF4-FFF2-40B4-BE49-F238E27FC236}">
+                <a16:creationId xmlns:a16="http://schemas.microsoft.com/office/drawing/2014/main" id="{96B429AB-CB99-7F10-57B7-670F434CBD4A}"/>
+              </a:ext>
+            </a:extLst>
+          </p:cNvPr>
+          <p:cNvSpPr>
+            <a:spLocks noGrp="1"/>
+          </p:cNvSpPr>
+          <p:nvPr>
+            <p:ph type="body" idx="1"/>
+          </p:nvPr>
+        </p:nvSpPr>
+        <p:spPr>
+          <a:xfrm>
+            <a:off x="4447308" y="0"/>
+            <a:ext cx="7744692" cy="6176963"/>
+          </a:xfrm>
+        </p:spPr>
+        <p:txBody>
+          <a:bodyPr vert="horz" lIns="91440" tIns="45720" rIns="91440" bIns="45720" rtlCol="0" anchor="ctr">
+            <a:normAutofit/>
+          </a:bodyPr>
+          <a:lstStyle/>
+          <a:p>
+            <a:pPr marL="0" indent="0" algn="ctr">
+              <a:buNone/>
+            </a:pPr>
+            <a:r>
+              <a:rPr lang="zh-TW" altLang="en-US" sz="3200" b="1" i="0" dirty="0">
+                <a:solidFill>
+                  <a:schemeClr val="accent6"/>
+                </a:solidFill>
+                <a:effectLst/>
+                <a:latin typeface="標楷體" panose="03000509000000000000" pitchFamily="65" charset="-120"/>
+                <a:ea typeface="標楷體" panose="03000509000000000000" pitchFamily="65" charset="-120"/>
+                <a:cs typeface="Times New Roman" panose="02020603050405020304" pitchFamily="18" charset="0"/>
+              </a:rPr>
+              <a:t>數據源：
+</a:t>
+            </a:r>
+            <a:r>
+              <a:rPr lang="zh-TW" altLang="en-US" sz="2200" b="1" i="0" dirty="0">
+                <a:effectLst/>
+                <a:latin typeface="標楷體" panose="03000509000000000000" pitchFamily="65" charset="-120"/>
+                <a:ea typeface="標楷體" panose="03000509000000000000" pitchFamily="65" charset="-120"/>
+                <a:cs typeface="Times New Roman" panose="02020603050405020304" pitchFamily="18" charset="0"/>
+              </a:rPr>
+              <a:t> 數據需要嚴格清理，並遵守 </a:t>
+            </a:r>
+            <a:r>
+              <a:rPr lang="en-US" altLang="zh-TW" sz="2200" b="1" i="0" dirty="0">
+                <a:effectLst/>
+                <a:latin typeface="標楷體" panose="03000509000000000000" pitchFamily="65" charset="-120"/>
+                <a:ea typeface="標楷體" panose="03000509000000000000" pitchFamily="65" charset="-120"/>
+                <a:cs typeface="Times New Roman" panose="02020603050405020304" pitchFamily="18" charset="0"/>
+              </a:rPr>
+              <a:t>ROCCC</a:t>
+            </a:r>
+            <a:r>
+              <a:rPr lang="zh-TW" altLang="en-US" sz="2200" b="1" i="0" dirty="0">
+                <a:effectLst/>
+                <a:latin typeface="標楷體" panose="03000509000000000000" pitchFamily="65" charset="-120"/>
+                <a:ea typeface="標楷體" panose="03000509000000000000" pitchFamily="65" charset="-120"/>
+                <a:cs typeface="Times New Roman" panose="02020603050405020304" pitchFamily="18" charset="0"/>
+              </a:rPr>
+              <a:t>（相關、原始、全面、一致和正確）標準，確保高品質的分析輸入。</a:t>
+            </a:r>
+            <a:endParaRPr lang="en-US" altLang="zh-TW" sz="2200" b="1" i="0" dirty="0">
+              <a:effectLst/>
+              <a:latin typeface="標楷體" panose="03000509000000000000" pitchFamily="65" charset="-120"/>
+              <a:ea typeface="標楷體" panose="03000509000000000000" pitchFamily="65" charset="-120"/>
+              <a:cs typeface="Times New Roman" panose="02020603050405020304" pitchFamily="18" charset="0"/>
+            </a:endParaRPr>
+          </a:p>
+          <a:p>
+            <a:pPr marL="0" indent="0" algn="ctr">
+              <a:buNone/>
+            </a:pPr>
+            <a:endParaRPr lang="en-US" altLang="zh-TW" sz="2200" b="1" i="0" dirty="0">
+              <a:effectLst/>
+              <a:latin typeface="標楷體" panose="03000509000000000000" pitchFamily="65" charset="-120"/>
+              <a:ea typeface="標楷體" panose="03000509000000000000" pitchFamily="65" charset="-120"/>
+              <a:cs typeface="Times New Roman" panose="02020603050405020304" pitchFamily="18" charset="0"/>
+            </a:endParaRPr>
+          </a:p>
+          <a:p>
+            <a:pPr marL="0" indent="0" algn="ctr">
+              <a:buNone/>
+            </a:pPr>
+            <a:r>
+              <a:rPr lang="zh-TW" altLang="en-US" sz="3200" b="1" i="0" dirty="0">
+                <a:solidFill>
+                  <a:schemeClr val="accent6"/>
+                </a:solidFill>
+                <a:effectLst/>
+                <a:latin typeface="標楷體" panose="03000509000000000000" pitchFamily="65" charset="-120"/>
+                <a:ea typeface="標楷體" panose="03000509000000000000" pitchFamily="65" charset="-120"/>
+                <a:cs typeface="Times New Roman" panose="02020603050405020304" pitchFamily="18" charset="0"/>
+              </a:rPr>
+              <a:t>數據清理：
+</a:t>
+            </a:r>
+            <a:r>
+              <a:rPr lang="zh-TW" altLang="en-US" sz="2200" b="1" i="0" dirty="0">
+                <a:effectLst/>
+                <a:latin typeface="標楷體" panose="03000509000000000000" pitchFamily="65" charset="-120"/>
+                <a:ea typeface="標楷體" panose="03000509000000000000" pitchFamily="65" charset="-120"/>
+                <a:cs typeface="Times New Roman" panose="02020603050405020304" pitchFamily="18" charset="0"/>
+              </a:rPr>
+              <a:t>在 </a:t>
+            </a:r>
+            <a:r>
+              <a:rPr lang="en-US" altLang="zh-TW" sz="2200" b="1" i="0" dirty="0" err="1">
+                <a:effectLst/>
+                <a:latin typeface="標楷體" panose="03000509000000000000" pitchFamily="65" charset="-120"/>
+                <a:ea typeface="標楷體" panose="03000509000000000000" pitchFamily="65" charset="-120"/>
+                <a:cs typeface="Times New Roman" panose="02020603050405020304" pitchFamily="18" charset="0"/>
+              </a:rPr>
+              <a:t>Jupyter</a:t>
+            </a:r>
+            <a:r>
+              <a:rPr lang="en-US" altLang="zh-TW" sz="2200" b="1" i="0" dirty="0">
+                <a:effectLst/>
+                <a:latin typeface="標楷體" panose="03000509000000000000" pitchFamily="65" charset="-120"/>
+                <a:ea typeface="標楷體" panose="03000509000000000000" pitchFamily="65" charset="-120"/>
+                <a:cs typeface="Times New Roman" panose="02020603050405020304" pitchFamily="18" charset="0"/>
+              </a:rPr>
+              <a:t> Notebook </a:t>
+            </a:r>
+            <a:r>
+              <a:rPr lang="zh-TW" altLang="en-US" sz="2200" b="1" i="0" dirty="0">
+                <a:effectLst/>
+                <a:latin typeface="標楷體" panose="03000509000000000000" pitchFamily="65" charset="-120"/>
+                <a:ea typeface="標楷體" panose="03000509000000000000" pitchFamily="65" charset="-120"/>
+                <a:cs typeface="Times New Roman" panose="02020603050405020304" pitchFamily="18" charset="0"/>
+              </a:rPr>
+              <a:t>中使用 </a:t>
+            </a:r>
+            <a:r>
+              <a:rPr lang="en-US" altLang="zh-TW" sz="2200" b="1" i="0" dirty="0">
+                <a:effectLst/>
+                <a:latin typeface="標楷體" panose="03000509000000000000" pitchFamily="65" charset="-120"/>
+                <a:ea typeface="標楷體" panose="03000509000000000000" pitchFamily="65" charset="-120"/>
+                <a:cs typeface="Times New Roman" panose="02020603050405020304" pitchFamily="18" charset="0"/>
+              </a:rPr>
+              <a:t>Python </a:t>
+            </a:r>
+            <a:r>
+              <a:rPr lang="zh-TW" altLang="en-US" sz="2200" b="1" i="0" dirty="0">
+                <a:effectLst/>
+                <a:latin typeface="標楷體" panose="03000509000000000000" pitchFamily="65" charset="-120"/>
+                <a:ea typeface="標楷體" panose="03000509000000000000" pitchFamily="65" charset="-120"/>
+                <a:cs typeface="Times New Roman" panose="02020603050405020304" pitchFamily="18" charset="0"/>
+              </a:rPr>
+              <a:t>進行高效的數據清理和操作。一絲不苟地記錄每個步驟，以確保可重複性和透明度，展示分析師的技術熟練程度。</a:t>
+            </a:r>
+            <a:endParaRPr lang="en-US" altLang="zh-TW" sz="2200" b="0" i="0" dirty="0">
+              <a:effectLst/>
+              <a:latin typeface="標楷體" panose="03000509000000000000" pitchFamily="65" charset="-120"/>
+              <a:ea typeface="標楷體" panose="03000509000000000000" pitchFamily="65" charset="-120"/>
+              <a:cs typeface="Times New Roman" panose="02020603050405020304" pitchFamily="18" charset="0"/>
+            </a:endParaRPr>
+          </a:p>
+        </p:txBody>
+      </p:sp>
+      <p:pic>
+        <p:nvPicPr>
+          <p:cNvPr id="5" name="圖片 4">
+            <a:extLst>
+              <a:ext uri="{FF2B5EF4-FFF2-40B4-BE49-F238E27FC236}">
+                <a16:creationId xmlns:a16="http://schemas.microsoft.com/office/drawing/2014/main" id="{59426437-00F1-33BC-4BFD-D5654AD19AEC}"/>
+              </a:ext>
+            </a:extLst>
+          </p:cNvPr>
+          <p:cNvPicPr>
+            <a:picLocks noChangeAspect="1"/>
+          </p:cNvPicPr>
+          <p:nvPr/>
+        </p:nvPicPr>
+        <p:blipFill>
+          <a:blip r:embed="rId2"/>
+          <a:stretch>
+            <a:fillRect/>
+          </a:stretch>
+        </p:blipFill>
+        <p:spPr>
+          <a:xfrm>
+            <a:off x="0" y="0"/>
+            <a:ext cx="12192000" cy="6858000"/>
+          </a:xfrm>
+          <a:prstGeom prst="rect">
+            <a:avLst/>
+          </a:prstGeom>
+        </p:spPr>
+      </p:pic>
+    </p:spTree>
+    <p:extLst>
+      <p:ext uri="{BB962C8B-B14F-4D97-AF65-F5344CB8AC3E}">
+        <p14:creationId xmlns:p14="http://schemas.microsoft.com/office/powerpoint/2010/main" val="1818936230"/>
+      </p:ext>
+    </p:extLst>
+  </p:cSld>
+  <p:clrMapOvr>
+    <a:masterClrMapping/>
+  </p:clrMapOvr>
+</p:sld>
+</file>
+
+<file path=ppt/slides/slide9.xml><?xml version="1.0" encoding="utf-8"?>
 <p:sld xmlns:a="http://schemas.openxmlformats.org/drawingml/2006/main" xmlns:r="http://schemas.openxmlformats.org/officeDocument/2006/relationships" xmlns:p="http://schemas.openxmlformats.org/presentationml/2006/main">
   <p:cSld>
     <p:spTree>
@@ -12302,8 +14042,8 @@
         </p:nvSpPr>
         <p:spPr>
           <a:xfrm>
-            <a:off x="764771" y="2172314"/>
-            <a:ext cx="3241786" cy="1256686"/>
+            <a:off x="2384045" y="2172314"/>
+            <a:ext cx="2384044" cy="1256686"/>
           </a:xfrm>
         </p:spPr>
         <p:txBody>
@@ -12455,122 +14195,12 @@
           </a:p>
         </p:txBody>
       </p:sp>
-    </p:spTree>
-    <p:extLst>
-      <p:ext uri="{BB962C8B-B14F-4D97-AF65-F5344CB8AC3E}">
-        <p14:creationId xmlns:p14="http://schemas.microsoft.com/office/powerpoint/2010/main" val="255958637"/>
-      </p:ext>
-    </p:extLst>
-  </p:cSld>
-  <p:clrMapOvr>
-    <a:masterClrMapping/>
-  </p:clrMapOvr>
-</p:sld>
-</file>
-
-<file path=ppt/slides/slide7.xml><?xml version="1.0" encoding="utf-8"?>
-<p:sld xmlns:a="http://schemas.openxmlformats.org/drawingml/2006/main" xmlns:r="http://schemas.openxmlformats.org/officeDocument/2006/relationships" xmlns:p="http://schemas.openxmlformats.org/presentationml/2006/main">
-  <p:cSld>
-    <p:spTree>
-      <p:nvGrpSpPr>
-        <p:cNvPr id="1" name="">
-          <a:extLst>
-            <a:ext uri="{FF2B5EF4-FFF2-40B4-BE49-F238E27FC236}">
-              <a16:creationId xmlns:a16="http://schemas.microsoft.com/office/drawing/2014/main" id="{B89A3AB8-B1B4-F75C-046F-8D1E1CBA0F16}"/>
-            </a:ext>
-          </a:extLst>
-        </p:cNvPr>
-        <p:cNvGrpSpPr/>
-        <p:nvPr/>
-      </p:nvGrpSpPr>
-      <p:grpSpPr>
-        <a:xfrm>
-          <a:off x="0" y="0"/>
-          <a:ext cx="0" cy="0"/>
-          <a:chOff x="0" y="0"/>
-          <a:chExt cx="0" cy="0"/>
-        </a:xfrm>
-      </p:grpSpPr>
-      <p:sp>
-        <p:nvSpPr>
-          <p:cNvPr id="2" name="標題 1">
+      <p:pic>
+        <p:nvPicPr>
+          <p:cNvPr id="4" name="圖片 3">
             <a:extLst>
               <a:ext uri="{FF2B5EF4-FFF2-40B4-BE49-F238E27FC236}">
-                <a16:creationId xmlns:a16="http://schemas.microsoft.com/office/drawing/2014/main" id="{17D41F91-72F2-C4F7-9FA5-8266AFBCE4E3}"/>
-              </a:ext>
-            </a:extLst>
-          </p:cNvPr>
-          <p:cNvSpPr>
-            <a:spLocks noGrp="1"/>
-          </p:cNvSpPr>
-          <p:nvPr>
-            <p:ph type="title"/>
-          </p:nvPr>
-        </p:nvSpPr>
-        <p:spPr>
-          <a:xfrm>
-            <a:off x="2951747" y="1929456"/>
-            <a:ext cx="6288505" cy="2999087"/>
-          </a:xfrm>
-        </p:spPr>
-        <p:txBody>
-          <a:bodyPr vert="horz" lIns="91440" tIns="45720" rIns="91440" bIns="45720" rtlCol="0" anchor="ctr">
-            <a:noAutofit/>
-          </a:bodyPr>
-          <a:lstStyle/>
-          <a:p>
-            <a:r>
-              <a:rPr lang="en-US" altLang="zh-TW" sz="13800" dirty="0">
-                <a:latin typeface="Times New Roman" panose="02020603050405020304" pitchFamily="18" charset="0"/>
-                <a:cs typeface="Times New Roman" panose="02020603050405020304" pitchFamily="18" charset="0"/>
-              </a:rPr>
-              <a:t>Analyze</a:t>
-            </a:r>
-          </a:p>
-        </p:txBody>
-      </p:sp>
-    </p:spTree>
-    <p:extLst>
-      <p:ext uri="{BB962C8B-B14F-4D97-AF65-F5344CB8AC3E}">
-        <p14:creationId xmlns:p14="http://schemas.microsoft.com/office/powerpoint/2010/main" val="1221269186"/>
-      </p:ext>
-    </p:extLst>
-  </p:cSld>
-  <p:clrMapOvr>
-    <a:masterClrMapping/>
-  </p:clrMapOvr>
-</p:sld>
-</file>
-
-<file path=ppt/slides/slide8.xml><?xml version="1.0" encoding="utf-8"?>
-<p:sld xmlns:a="http://schemas.openxmlformats.org/drawingml/2006/main" xmlns:r="http://schemas.openxmlformats.org/officeDocument/2006/relationships" xmlns:p="http://schemas.openxmlformats.org/presentationml/2006/main">
-  <p:cSld>
-    <p:spTree>
-      <p:nvGrpSpPr>
-        <p:cNvPr id="1" name="">
-          <a:extLst>
-            <a:ext uri="{FF2B5EF4-FFF2-40B4-BE49-F238E27FC236}">
-              <a16:creationId xmlns:a16="http://schemas.microsoft.com/office/drawing/2014/main" id="{B89A3AB8-B1B4-F75C-046F-8D1E1CBA0F16}"/>
-            </a:ext>
-          </a:extLst>
-        </p:cNvPr>
-        <p:cNvGrpSpPr/>
-        <p:nvPr/>
-      </p:nvGrpSpPr>
-      <p:grpSpPr>
-        <a:xfrm>
-          <a:off x="0" y="0"/>
-          <a:ext cx="0" cy="0"/>
-          <a:chOff x="0" y="0"/>
-          <a:chExt cx="0" cy="0"/>
-        </a:xfrm>
-      </p:grpSpPr>
-      <p:pic>
-        <p:nvPicPr>
-          <p:cNvPr id="5" name="圖片 4">
-            <a:extLst>
-              <a:ext uri="{FF2B5EF4-FFF2-40B4-BE49-F238E27FC236}">
-                <a16:creationId xmlns:a16="http://schemas.microsoft.com/office/drawing/2014/main" id="{0E9B2151-6D73-F1E5-8A62-3F7672A5322E}"/>
+                <a16:creationId xmlns:a16="http://schemas.microsoft.com/office/drawing/2014/main" id="{330FBAF6-7AC2-74F3-C27D-21FA1AD46991}"/>
               </a:ext>
             </a:extLst>
           </p:cNvPr>
@@ -12588,173 +14218,17 @@
         <p:spPr>
           <a:xfrm>
             <a:off x="0" y="0"/>
-            <a:ext cx="12008228" cy="6336632"/>
+            <a:ext cx="2384045" cy="6858000"/>
           </a:xfrm>
           <a:prstGeom prst="rect">
             <a:avLst/>
           </a:prstGeom>
         </p:spPr>
       </p:pic>
-      <p:sp>
-        <p:nvSpPr>
-          <p:cNvPr id="3" name="文字版面配置區 2">
-            <a:extLst>
-              <a:ext uri="{FF2B5EF4-FFF2-40B4-BE49-F238E27FC236}">
-                <a16:creationId xmlns:a16="http://schemas.microsoft.com/office/drawing/2014/main" id="{893995CD-A093-0D82-1DF9-BFA36B7AFF51}"/>
-              </a:ext>
-            </a:extLst>
-          </p:cNvPr>
-          <p:cNvSpPr>
-            <a:spLocks noGrp="1"/>
-          </p:cNvSpPr>
-          <p:nvPr>
-            <p:ph type="body" idx="1"/>
-          </p:nvPr>
-        </p:nvSpPr>
-        <p:spPr>
-          <a:xfrm>
-            <a:off x="9416716" y="2069432"/>
-            <a:ext cx="2775284" cy="4788568"/>
-          </a:xfrm>
-        </p:spPr>
-        <p:txBody>
-          <a:bodyPr vert="horz" lIns="91440" tIns="45720" rIns="91440" bIns="45720" rtlCol="0" anchor="ctr">
-            <a:normAutofit/>
-          </a:bodyPr>
-          <a:lstStyle/>
-          <a:p>
-            <a:pPr algn="l">
-              <a:buFont typeface="Arial" panose="020B0604020202020204" pitchFamily="34" charset="0"/>
-              <a:buChar char="•"/>
-            </a:pPr>
-            <a:r>
-              <a:rPr lang="en-US" altLang="zh-TW" sz="3200" dirty="0">
-                <a:solidFill>
-                  <a:srgbClr val="3C4043"/>
-                </a:solidFill>
-                <a:latin typeface="Times New Roman" panose="02020603050405020304" pitchFamily="18" charset="0"/>
-                <a:cs typeface="Times New Roman" panose="02020603050405020304" pitchFamily="18" charset="0"/>
-              </a:rPr>
-              <a:t>evaluate security control effectiveness</a:t>
-            </a:r>
-          </a:p>
-        </p:txBody>
-      </p:sp>
     </p:spTree>
     <p:extLst>
       <p:ext uri="{BB962C8B-B14F-4D97-AF65-F5344CB8AC3E}">
-        <p14:creationId xmlns:p14="http://schemas.microsoft.com/office/powerpoint/2010/main" val="1088668345"/>
-      </p:ext>
-    </p:extLst>
-  </p:cSld>
-  <p:clrMapOvr>
-    <a:masterClrMapping/>
-  </p:clrMapOvr>
-</p:sld>
-</file>
-
-<file path=ppt/slides/slide9.xml><?xml version="1.0" encoding="utf-8"?>
-<p:sld xmlns:a="http://schemas.openxmlformats.org/drawingml/2006/main" xmlns:r="http://schemas.openxmlformats.org/officeDocument/2006/relationships" xmlns:p="http://schemas.openxmlformats.org/presentationml/2006/main">
-  <p:cSld>
-    <p:spTree>
-      <p:nvGrpSpPr>
-        <p:cNvPr id="1" name="">
-          <a:extLst>
-            <a:ext uri="{FF2B5EF4-FFF2-40B4-BE49-F238E27FC236}">
-              <a16:creationId xmlns:a16="http://schemas.microsoft.com/office/drawing/2014/main" id="{B89A3AB8-B1B4-F75C-046F-8D1E1CBA0F16}"/>
-            </a:ext>
-          </a:extLst>
-        </p:cNvPr>
-        <p:cNvGrpSpPr/>
-        <p:nvPr/>
-      </p:nvGrpSpPr>
-      <p:grpSpPr>
-        <a:xfrm>
-          <a:off x="0" y="0"/>
-          <a:ext cx="0" cy="0"/>
-          <a:chOff x="0" y="0"/>
-          <a:chExt cx="0" cy="0"/>
-        </a:xfrm>
-      </p:grpSpPr>
-      <p:pic>
-        <p:nvPicPr>
-          <p:cNvPr id="2" name="圖片 1">
-            <a:extLst>
-              <a:ext uri="{FF2B5EF4-FFF2-40B4-BE49-F238E27FC236}">
-                <a16:creationId xmlns:a16="http://schemas.microsoft.com/office/drawing/2014/main" id="{652AAE41-6B37-DD2F-DBC3-4F97F4141BF0}"/>
-              </a:ext>
-            </a:extLst>
-          </p:cNvPr>
-          <p:cNvPicPr>
-            <a:picLocks noChangeAspect="1"/>
-          </p:cNvPicPr>
-          <p:nvPr/>
-        </p:nvPicPr>
-        <p:blipFill>
-          <a:blip r:embed="rId2"/>
-          <a:stretch>
-            <a:fillRect/>
-          </a:stretch>
-        </p:blipFill>
-        <p:spPr>
-          <a:xfrm>
-            <a:off x="-1" y="-1"/>
-            <a:ext cx="12193249" cy="6134793"/>
-          </a:xfrm>
-          <a:prstGeom prst="rect">
-            <a:avLst/>
-          </a:prstGeom>
-        </p:spPr>
-      </p:pic>
-      <p:sp>
-        <p:nvSpPr>
-          <p:cNvPr id="3" name="文字版面配置區 2">
-            <a:extLst>
-              <a:ext uri="{FF2B5EF4-FFF2-40B4-BE49-F238E27FC236}">
-                <a16:creationId xmlns:a16="http://schemas.microsoft.com/office/drawing/2014/main" id="{893995CD-A093-0D82-1DF9-BFA36B7AFF51}"/>
-              </a:ext>
-            </a:extLst>
-          </p:cNvPr>
-          <p:cNvSpPr>
-            <a:spLocks noGrp="1"/>
-          </p:cNvSpPr>
-          <p:nvPr>
-            <p:ph type="body" idx="1"/>
-          </p:nvPr>
-        </p:nvSpPr>
-        <p:spPr>
-          <a:xfrm>
-            <a:off x="8245642" y="2145710"/>
-            <a:ext cx="3946357" cy="3989083"/>
-          </a:xfrm>
-        </p:spPr>
-        <p:txBody>
-          <a:bodyPr vert="horz" lIns="91440" tIns="45720" rIns="91440" bIns="45720" rtlCol="0" anchor="ctr">
-            <a:normAutofit/>
-          </a:bodyPr>
-          <a:lstStyle/>
-          <a:p>
-            <a:pPr algn="l">
-              <a:buFont typeface="Arial" panose="020B0604020202020204" pitchFamily="34" charset="0"/>
-              <a:buChar char="•"/>
-            </a:pPr>
-            <a:r>
-              <a:rPr lang="en-US" altLang="zh-TW" sz="3600" dirty="0">
-                <a:solidFill>
-                  <a:srgbClr val="3C4043"/>
-                </a:solidFill>
-                <a:latin typeface="Times New Roman" panose="02020603050405020304" pitchFamily="18" charset="0"/>
-                <a:cs typeface="Times New Roman" panose="02020603050405020304" pitchFamily="18" charset="0"/>
-              </a:rPr>
-              <a:t>monitoring changes in the future</a:t>
-            </a:r>
-          </a:p>
-        </p:txBody>
-      </p:sp>
-    </p:spTree>
-    <p:extLst>
-      <p:ext uri="{BB962C8B-B14F-4D97-AF65-F5344CB8AC3E}">
-        <p14:creationId xmlns:p14="http://schemas.microsoft.com/office/powerpoint/2010/main" val="640028506"/>
+        <p14:creationId xmlns:p14="http://schemas.microsoft.com/office/powerpoint/2010/main" val="255958637"/>
       </p:ext>
     </p:extLst>
   </p:cSld>
